--- a/result/Network Architecture.pptx
+++ b/result/Network Architecture.pptx
@@ -104,6 +104,11 @@
       </a:defRPr>
     </a:lvl9pPr>
   </p:defaultTextStyle>
+  <p:extLst>
+    <p:ext uri="{EFAFB233-063F-42B5-8137-9DF3F51BA10A}">
+      <p15:sldGuideLst xmlns:p15="http://schemas.microsoft.com/office/powerpoint/2012/main"/>
+    </p:ext>
+  </p:extLst>
 </p:presentation>
 </file>
 
@@ -2968,1391 +2973,1436 @@
           <a:chExt cx="0" cy="0"/>
         </a:xfrm>
       </p:grpSpPr>
-      <p:sp>
-        <p:nvSpPr>
-          <p:cNvPr id="47" name="사각형: 둥근 모서리 46">
+      <p:grpSp>
+        <p:nvGrpSpPr>
+          <p:cNvPr id="2" name="그룹 1">
             <a:extLst>
               <a:ext uri="{FF2B5EF4-FFF2-40B4-BE49-F238E27FC236}">
-                <a16:creationId xmlns:a16="http://schemas.microsoft.com/office/drawing/2014/main" id="{3C11B267-680D-4541-A46B-AD61117672CF}"/>
+                <a16:creationId xmlns:a16="http://schemas.microsoft.com/office/drawing/2014/main" id="{2515ACC3-6A77-4AA3-ABC9-D5D4E1531580}"/>
               </a:ext>
             </a:extLst>
           </p:cNvPr>
-          <p:cNvSpPr/>
+          <p:cNvGrpSpPr/>
           <p:nvPr/>
-        </p:nvSpPr>
-        <p:spPr>
-          <a:xfrm>
-            <a:off x="24645568" y="469351"/>
-            <a:ext cx="2054187" cy="5990253"/>
-          </a:xfrm>
-          <a:prstGeom prst="roundRect">
-            <a:avLst>
-              <a:gd name="adj" fmla="val 13786"/>
-            </a:avLst>
-          </a:prstGeom>
-        </p:spPr>
-        <p:style>
-          <a:lnRef idx="2">
-            <a:schemeClr val="dk1"/>
-          </a:lnRef>
-          <a:fillRef idx="1">
-            <a:schemeClr val="lt1"/>
-          </a:fillRef>
-          <a:effectRef idx="0">
-            <a:schemeClr val="dk1"/>
-          </a:effectRef>
-          <a:fontRef idx="minor">
-            <a:schemeClr val="dk1"/>
-          </a:fontRef>
-        </p:style>
-        <p:txBody>
-          <a:bodyPr rtlCol="0" anchor="t" anchorCtr="0"/>
-          <a:lstStyle/>
-          <a:p>
-            <a:pPr algn="ctr"/>
-            <a:r>
-              <a:rPr lang="en-US" altLang="ko-KR" dirty="0"/>
-              <a:t>Outputs</a:t>
-            </a:r>
-            <a:endParaRPr lang="ko-KR" altLang="en-US" dirty="0"/>
-          </a:p>
-        </p:txBody>
-      </p:sp>
-      <p:sp>
-        <p:nvSpPr>
-          <p:cNvPr id="18" name="사각형: 둥근 모서리 17">
-            <a:extLst>
-              <a:ext uri="{FF2B5EF4-FFF2-40B4-BE49-F238E27FC236}">
-                <a16:creationId xmlns:a16="http://schemas.microsoft.com/office/drawing/2014/main" id="{709E8AF3-9FB7-4D0C-8EA8-2DDA2344FC78}"/>
-              </a:ext>
-            </a:extLst>
-          </p:cNvPr>
-          <p:cNvSpPr/>
-          <p:nvPr/>
-        </p:nvSpPr>
-        <p:spPr>
-          <a:xfrm>
-            <a:off x="13241581" y="433875"/>
-            <a:ext cx="11185961" cy="5990253"/>
-          </a:xfrm>
-          <a:prstGeom prst="roundRect">
-            <a:avLst>
-              <a:gd name="adj" fmla="val 3894"/>
-            </a:avLst>
-          </a:prstGeom>
-        </p:spPr>
-        <p:style>
-          <a:lnRef idx="2">
-            <a:schemeClr val="dk1"/>
-          </a:lnRef>
-          <a:fillRef idx="1">
-            <a:schemeClr val="lt1"/>
-          </a:fillRef>
-          <a:effectRef idx="0">
-            <a:schemeClr val="dk1"/>
-          </a:effectRef>
-          <a:fontRef idx="minor">
-            <a:schemeClr val="dk1"/>
-          </a:fontRef>
-        </p:style>
-        <p:txBody>
-          <a:bodyPr rtlCol="0" anchor="t" anchorCtr="0"/>
-          <a:lstStyle/>
-          <a:p>
-            <a:pPr algn="ctr"/>
-            <a:r>
-              <a:rPr lang="en-US" altLang="ko-KR" dirty="0"/>
-              <a:t>Neural Network</a:t>
-            </a:r>
-          </a:p>
-          <a:p>
-            <a:pPr algn="ctr"/>
-            <a:r>
-              <a:rPr lang="en-US" altLang="ko-KR" dirty="0"/>
-              <a:t>Architecture</a:t>
-            </a:r>
-            <a:endParaRPr lang="ko-KR" altLang="en-US" dirty="0"/>
-          </a:p>
-        </p:txBody>
-      </p:sp>
-      <p:sp>
-        <p:nvSpPr>
-          <p:cNvPr id="8" name="사각형: 둥근 모서리 7">
-            <a:extLst>
-              <a:ext uri="{FF2B5EF4-FFF2-40B4-BE49-F238E27FC236}">
-                <a16:creationId xmlns:a16="http://schemas.microsoft.com/office/drawing/2014/main" id="{59487227-C6DD-491D-BDDC-3D9ED459461A}"/>
-              </a:ext>
-            </a:extLst>
-          </p:cNvPr>
-          <p:cNvSpPr/>
-          <p:nvPr/>
-        </p:nvSpPr>
-        <p:spPr>
+        </p:nvGrpSpPr>
+        <p:grpSpPr>
           <a:xfrm>
             <a:off x="10980030" y="433875"/>
-            <a:ext cx="2054186" cy="5990253"/>
+            <a:ext cx="15719725" cy="6025729"/>
+            <a:chOff x="10980030" y="433875"/>
+            <a:chExt cx="15719725" cy="6025729"/>
           </a:xfrm>
-          <a:prstGeom prst="roundRect">
-            <a:avLst>
-              <a:gd name="adj" fmla="val 11101"/>
-            </a:avLst>
-          </a:prstGeom>
-        </p:spPr>
-        <p:style>
-          <a:lnRef idx="2">
-            <a:schemeClr val="dk1"/>
-          </a:lnRef>
-          <a:fillRef idx="1">
-            <a:schemeClr val="lt1"/>
-          </a:fillRef>
-          <a:effectRef idx="0">
-            <a:schemeClr val="dk1"/>
-          </a:effectRef>
-          <a:fontRef idx="minor">
-            <a:schemeClr val="dk1"/>
-          </a:fontRef>
-        </p:style>
-        <p:txBody>
-          <a:bodyPr rtlCol="0" anchor="t" anchorCtr="0"/>
-          <a:lstStyle/>
-          <a:p>
-            <a:pPr algn="ctr"/>
-            <a:r>
-              <a:rPr lang="en-US" altLang="ko-KR" dirty="0"/>
-              <a:t>inputs</a:t>
-            </a:r>
-            <a:endParaRPr lang="ko-KR" altLang="en-US" dirty="0"/>
-          </a:p>
-        </p:txBody>
-      </p:sp>
-      <p:sp>
-        <p:nvSpPr>
-          <p:cNvPr id="5" name="사각형: 둥근 모서리 4">
-            <a:extLst>
-              <a:ext uri="{FF2B5EF4-FFF2-40B4-BE49-F238E27FC236}">
-                <a16:creationId xmlns:a16="http://schemas.microsoft.com/office/drawing/2014/main" id="{D0D9F26E-FEA4-42A5-ABE7-604136B98214}"/>
-              </a:ext>
-            </a:extLst>
-          </p:cNvPr>
-          <p:cNvSpPr/>
-          <p:nvPr/>
-        </p:nvSpPr>
-        <p:spPr>
-          <a:xfrm>
-            <a:off x="13449405" y="1409604"/>
-            <a:ext cx="1639456" cy="969700"/>
-          </a:xfrm>
-          <a:prstGeom prst="roundRect">
-            <a:avLst/>
-          </a:prstGeom>
-        </p:spPr>
-        <p:style>
-          <a:lnRef idx="2">
-            <a:schemeClr val="dk1"/>
-          </a:lnRef>
-          <a:fillRef idx="1">
-            <a:schemeClr val="lt1"/>
-          </a:fillRef>
-          <a:effectRef idx="0">
-            <a:schemeClr val="dk1"/>
-          </a:effectRef>
-          <a:fontRef idx="minor">
-            <a:schemeClr val="dk1"/>
-          </a:fontRef>
-        </p:style>
-        <p:txBody>
-          <a:bodyPr rtlCol="0" anchor="ctr"/>
-          <a:lstStyle/>
-          <a:p>
-            <a:pPr algn="ctr"/>
-            <a:r>
-              <a:rPr lang="en-US" altLang="ko-KR" sz="1400" b="1" dirty="0"/>
-              <a:t>SE </a:t>
-            </a:r>
-            <a:r>
-              <a:rPr lang="en-US" altLang="ko-KR" sz="1400" b="1" dirty="0" err="1"/>
-              <a:t>ResNext</a:t>
-            </a:r>
-            <a:endParaRPr lang="en-US" altLang="ko-KR" sz="1400" b="1" dirty="0"/>
-          </a:p>
-          <a:p>
-            <a:pPr algn="ctr"/>
-            <a:r>
-              <a:rPr lang="en-US" altLang="ko-KR" sz="1400" dirty="0"/>
-              <a:t>CNN</a:t>
-            </a:r>
-          </a:p>
-          <a:p>
-            <a:pPr algn="ctr"/>
-            <a:r>
-              <a:rPr lang="en-US" altLang="ko-KR" sz="1400" dirty="0"/>
-              <a:t>Architecture</a:t>
-            </a:r>
-          </a:p>
-        </p:txBody>
-      </p:sp>
-      <p:sp>
-        <p:nvSpPr>
-          <p:cNvPr id="12" name="사각형: 둥근 모서리 11">
-            <a:extLst>
-              <a:ext uri="{FF2B5EF4-FFF2-40B4-BE49-F238E27FC236}">
-                <a16:creationId xmlns:a16="http://schemas.microsoft.com/office/drawing/2014/main" id="{351BA0E8-D259-4BBD-B19A-79AD588AD6E3}"/>
-              </a:ext>
-            </a:extLst>
-          </p:cNvPr>
-          <p:cNvSpPr/>
-          <p:nvPr/>
-        </p:nvSpPr>
-        <p:spPr>
-          <a:xfrm>
-            <a:off x="11187395" y="4478692"/>
-            <a:ext cx="1639456" cy="969700"/>
-          </a:xfrm>
-          <a:prstGeom prst="roundRect">
-            <a:avLst/>
-          </a:prstGeom>
-        </p:spPr>
-        <p:style>
-          <a:lnRef idx="2">
-            <a:schemeClr val="dk1"/>
-          </a:lnRef>
-          <a:fillRef idx="1">
-            <a:schemeClr val="lt1"/>
-          </a:fillRef>
-          <a:effectRef idx="0">
-            <a:schemeClr val="dk1"/>
-          </a:effectRef>
-          <a:fontRef idx="minor">
-            <a:schemeClr val="dk1"/>
-          </a:fontRef>
-        </p:style>
-        <p:txBody>
-          <a:bodyPr rtlCol="0" anchor="ctr"/>
-          <a:lstStyle/>
-          <a:p>
-            <a:pPr algn="ctr"/>
-            <a:r>
-              <a:rPr lang="en-US" altLang="ko-KR" sz="1400" b="1" dirty="0"/>
-              <a:t>Gender</a:t>
-            </a:r>
-          </a:p>
-          <a:p>
-            <a:r>
-              <a:rPr lang="en-US" altLang="ko-KR" sz="1400" b="1" dirty="0"/>
-              <a:t>Data:</a:t>
-            </a:r>
-            <a:r>
-              <a:rPr lang="en-US" altLang="ko-KR" sz="1400" dirty="0"/>
-              <a:t> </a:t>
-            </a:r>
-            <a:r>
-              <a:rPr lang="en-US" altLang="ko-KR" sz="1200" dirty="0"/>
-              <a:t>Categorical</a:t>
-            </a:r>
-          </a:p>
-        </p:txBody>
-      </p:sp>
-      <p:sp>
-        <p:nvSpPr>
-          <p:cNvPr id="16" name="사각형: 둥근 모서리 15">
-            <a:extLst>
-              <a:ext uri="{FF2B5EF4-FFF2-40B4-BE49-F238E27FC236}">
-                <a16:creationId xmlns:a16="http://schemas.microsoft.com/office/drawing/2014/main" id="{D330B986-3632-4271-B49E-C67C17475779}"/>
-              </a:ext>
-            </a:extLst>
-          </p:cNvPr>
-          <p:cNvSpPr/>
-          <p:nvPr/>
-        </p:nvSpPr>
-        <p:spPr>
-          <a:xfrm>
-            <a:off x="11187395" y="1409604"/>
-            <a:ext cx="1639456" cy="969700"/>
-          </a:xfrm>
-          <a:prstGeom prst="roundRect">
-            <a:avLst/>
-          </a:prstGeom>
-        </p:spPr>
-        <p:style>
-          <a:lnRef idx="2">
-            <a:schemeClr val="dk1"/>
-          </a:lnRef>
-          <a:fillRef idx="1">
-            <a:schemeClr val="lt1"/>
-          </a:fillRef>
-          <a:effectRef idx="0">
-            <a:schemeClr val="dk1"/>
-          </a:effectRef>
-          <a:fontRef idx="minor">
-            <a:schemeClr val="dk1"/>
-          </a:fontRef>
-        </p:style>
-        <p:txBody>
-          <a:bodyPr rtlCol="0" anchor="ctr"/>
-          <a:lstStyle/>
-          <a:p>
-            <a:pPr algn="ctr"/>
-            <a:r>
-              <a:rPr lang="en-US" altLang="ko-KR" sz="1400" b="1" dirty="0"/>
-              <a:t>X-Ray</a:t>
-            </a:r>
-          </a:p>
-          <a:p>
-            <a:r>
-              <a:rPr lang="en-US" altLang="ko-KR" sz="1400" b="1" dirty="0"/>
-              <a:t>Data: </a:t>
-            </a:r>
-            <a:r>
-              <a:rPr lang="en-US" altLang="ko-KR" sz="1200" dirty="0"/>
-              <a:t>resize Image</a:t>
-            </a:r>
-            <a:endParaRPr lang="en-US" altLang="ko-KR" sz="1400" dirty="0"/>
-          </a:p>
-        </p:txBody>
-      </p:sp>
-      <p:sp>
-        <p:nvSpPr>
-          <p:cNvPr id="17" name="사각형: 둥근 모서리 16">
-            <a:extLst>
-              <a:ext uri="{FF2B5EF4-FFF2-40B4-BE49-F238E27FC236}">
-                <a16:creationId xmlns:a16="http://schemas.microsoft.com/office/drawing/2014/main" id="{94B2C418-6E24-4DA4-AA57-F794A21BD197}"/>
-              </a:ext>
-            </a:extLst>
-          </p:cNvPr>
-          <p:cNvSpPr/>
-          <p:nvPr/>
-        </p:nvSpPr>
-        <p:spPr>
-          <a:xfrm>
-            <a:off x="13449405" y="4478692"/>
-            <a:ext cx="1639456" cy="969700"/>
-          </a:xfrm>
-          <a:prstGeom prst="roundRect">
-            <a:avLst/>
-          </a:prstGeom>
-        </p:spPr>
-        <p:style>
-          <a:lnRef idx="2">
-            <a:schemeClr val="dk1"/>
-          </a:lnRef>
-          <a:fillRef idx="1">
-            <a:schemeClr val="lt1"/>
-          </a:fillRef>
-          <a:effectRef idx="0">
-            <a:schemeClr val="dk1"/>
-          </a:effectRef>
-          <a:fontRef idx="minor">
-            <a:schemeClr val="dk1"/>
-          </a:fontRef>
-        </p:style>
-        <p:txBody>
-          <a:bodyPr rtlCol="0" anchor="ctr"/>
-          <a:lstStyle/>
-          <a:p>
-            <a:pPr algn="ctr"/>
-            <a:r>
-              <a:rPr lang="en-US" altLang="ko-KR" sz="1400" b="1" dirty="0"/>
-              <a:t>FC Layer</a:t>
-            </a:r>
-          </a:p>
-          <a:p>
-            <a:pPr algn="ctr"/>
-            <a:r>
-              <a:rPr lang="en-US" altLang="ko-KR" sz="1400" dirty="0"/>
-              <a:t>+</a:t>
-            </a:r>
-          </a:p>
-          <a:p>
-            <a:pPr algn="ctr"/>
-            <a:r>
-              <a:rPr lang="en-US" altLang="ko-KR" sz="1400" b="1" dirty="0" err="1"/>
-              <a:t>ReLU</a:t>
-            </a:r>
-            <a:endParaRPr lang="en-US" altLang="ko-KR" sz="1400" b="1" dirty="0"/>
-          </a:p>
-          <a:p>
-            <a:pPr algn="ctr"/>
-            <a:r>
-              <a:rPr lang="en-US" altLang="ko-KR" sz="1400" dirty="0"/>
-              <a:t>Activation</a:t>
-            </a:r>
-            <a:endParaRPr lang="ko-KR" altLang="en-US" sz="1400" dirty="0"/>
-          </a:p>
-        </p:txBody>
-      </p:sp>
-      <p:cxnSp>
-        <p:nvCxnSpPr>
-          <p:cNvPr id="20" name="직선 화살표 연결선 19">
-            <a:extLst>
-              <a:ext uri="{FF2B5EF4-FFF2-40B4-BE49-F238E27FC236}">
-                <a16:creationId xmlns:a16="http://schemas.microsoft.com/office/drawing/2014/main" id="{E1E374A1-A8EA-44B0-B52F-2A161D40A2B5}"/>
-              </a:ext>
-            </a:extLst>
-          </p:cNvPr>
-          <p:cNvCxnSpPr/>
-          <p:nvPr/>
-        </p:nvCxnSpPr>
-        <p:spPr>
-          <a:xfrm>
-            <a:off x="12826851" y="1894454"/>
-            <a:ext cx="622554" cy="0"/>
-          </a:xfrm>
-          <a:prstGeom prst="straightConnector1">
-            <a:avLst/>
-          </a:prstGeom>
-          <a:ln>
-            <a:tailEnd type="triangle"/>
-          </a:ln>
-        </p:spPr>
-        <p:style>
-          <a:lnRef idx="1">
-            <a:schemeClr val="dk1"/>
-          </a:lnRef>
-          <a:fillRef idx="0">
-            <a:schemeClr val="dk1"/>
-          </a:fillRef>
-          <a:effectRef idx="0">
-            <a:schemeClr val="dk1"/>
-          </a:effectRef>
-          <a:fontRef idx="minor">
-            <a:schemeClr val="tx1"/>
-          </a:fontRef>
-        </p:style>
-      </p:cxnSp>
-      <p:cxnSp>
-        <p:nvCxnSpPr>
-          <p:cNvPr id="22" name="직선 화살표 연결선 21">
-            <a:extLst>
-              <a:ext uri="{FF2B5EF4-FFF2-40B4-BE49-F238E27FC236}">
-                <a16:creationId xmlns:a16="http://schemas.microsoft.com/office/drawing/2014/main" id="{FFCEAD9B-5BC6-45C3-A180-F364A5F75D29}"/>
-              </a:ext>
-            </a:extLst>
-          </p:cNvPr>
-          <p:cNvCxnSpPr/>
-          <p:nvPr/>
-        </p:nvCxnSpPr>
-        <p:spPr>
-          <a:xfrm>
-            <a:off x="12826851" y="4963542"/>
-            <a:ext cx="622554" cy="0"/>
-          </a:xfrm>
-          <a:prstGeom prst="straightConnector1">
-            <a:avLst/>
-          </a:prstGeom>
-          <a:ln>
-            <a:tailEnd type="triangle"/>
-          </a:ln>
-        </p:spPr>
-        <p:style>
-          <a:lnRef idx="1">
-            <a:schemeClr val="dk1"/>
-          </a:lnRef>
-          <a:fillRef idx="0">
-            <a:schemeClr val="dk1"/>
-          </a:fillRef>
-          <a:effectRef idx="0">
-            <a:schemeClr val="dk1"/>
-          </a:effectRef>
-          <a:fontRef idx="minor">
-            <a:schemeClr val="tx1"/>
-          </a:fontRef>
-        </p:style>
-      </p:cxnSp>
-      <p:sp>
-        <p:nvSpPr>
-          <p:cNvPr id="23" name="사각형: 둥근 모서리 22">
-            <a:extLst>
-              <a:ext uri="{FF2B5EF4-FFF2-40B4-BE49-F238E27FC236}">
-                <a16:creationId xmlns:a16="http://schemas.microsoft.com/office/drawing/2014/main" id="{1032ED5C-6837-41F6-9B80-B9F12A7454F5}"/>
-              </a:ext>
-            </a:extLst>
-          </p:cNvPr>
-          <p:cNvSpPr/>
-          <p:nvPr/>
-        </p:nvSpPr>
-        <p:spPr>
-          <a:xfrm>
-            <a:off x="15737997" y="1409604"/>
-            <a:ext cx="1639456" cy="969700"/>
-          </a:xfrm>
-          <a:prstGeom prst="roundRect">
-            <a:avLst/>
-          </a:prstGeom>
-        </p:spPr>
-        <p:style>
-          <a:lnRef idx="2">
-            <a:schemeClr val="dk1"/>
-          </a:lnRef>
-          <a:fillRef idx="1">
-            <a:schemeClr val="lt1"/>
-          </a:fillRef>
-          <a:effectRef idx="0">
-            <a:schemeClr val="dk1"/>
-          </a:effectRef>
-          <a:fontRef idx="minor">
-            <a:schemeClr val="dk1"/>
-          </a:fontRef>
-        </p:style>
-        <p:txBody>
-          <a:bodyPr rtlCol="0" anchor="ctr"/>
-          <a:lstStyle/>
-          <a:p>
-            <a:pPr algn="ctr"/>
-            <a:r>
-              <a:rPr lang="en-US" altLang="ko-KR" sz="1400" b="1" dirty="0"/>
-              <a:t>FC Layer</a:t>
-            </a:r>
-          </a:p>
-          <a:p>
-            <a:pPr algn="ctr"/>
-            <a:r>
-              <a:rPr lang="en-US" altLang="ko-KR" sz="1400" dirty="0"/>
-              <a:t>+</a:t>
-            </a:r>
-          </a:p>
-          <a:p>
-            <a:pPr algn="ctr"/>
-            <a:r>
-              <a:rPr lang="en-US" altLang="ko-KR" sz="1400" b="1" dirty="0" err="1"/>
-              <a:t>ReLU</a:t>
-            </a:r>
-            <a:endParaRPr lang="en-US" altLang="ko-KR" sz="1400" b="1" dirty="0"/>
-          </a:p>
-          <a:p>
-            <a:pPr algn="ctr"/>
-            <a:r>
-              <a:rPr lang="en-US" altLang="ko-KR" sz="1400" dirty="0"/>
-              <a:t>Activation</a:t>
-            </a:r>
-            <a:endParaRPr lang="ko-KR" altLang="en-US" sz="1400" dirty="0"/>
-          </a:p>
-        </p:txBody>
-      </p:sp>
-      <p:cxnSp>
-        <p:nvCxnSpPr>
-          <p:cNvPr id="25" name="직선 화살표 연결선 24">
-            <a:extLst>
-              <a:ext uri="{FF2B5EF4-FFF2-40B4-BE49-F238E27FC236}">
-                <a16:creationId xmlns:a16="http://schemas.microsoft.com/office/drawing/2014/main" id="{86EE0CE2-2242-4502-9295-8022617EBA35}"/>
-              </a:ext>
-            </a:extLst>
-          </p:cNvPr>
-          <p:cNvCxnSpPr>
-            <a:stCxn id="5" idx="3"/>
-            <a:endCxn id="23" idx="1"/>
-          </p:cNvCxnSpPr>
-          <p:nvPr/>
-        </p:nvCxnSpPr>
-        <p:spPr>
-          <a:xfrm>
-            <a:off x="15088861" y="1894454"/>
-            <a:ext cx="649136" cy="0"/>
-          </a:xfrm>
-          <a:prstGeom prst="straightConnector1">
-            <a:avLst/>
-          </a:prstGeom>
-          <a:ln>
-            <a:tailEnd type="triangle"/>
-          </a:ln>
-        </p:spPr>
-        <p:style>
-          <a:lnRef idx="1">
-            <a:schemeClr val="dk1"/>
-          </a:lnRef>
-          <a:fillRef idx="0">
-            <a:schemeClr val="dk1"/>
-          </a:fillRef>
-          <a:effectRef idx="0">
-            <a:schemeClr val="dk1"/>
-          </a:effectRef>
-          <a:fontRef idx="minor">
-            <a:schemeClr val="tx1"/>
-          </a:fontRef>
-        </p:style>
-      </p:cxnSp>
-      <p:sp>
-        <p:nvSpPr>
-          <p:cNvPr id="26" name="사각형: 둥근 모서리 25">
-            <a:extLst>
-              <a:ext uri="{FF2B5EF4-FFF2-40B4-BE49-F238E27FC236}">
-                <a16:creationId xmlns:a16="http://schemas.microsoft.com/office/drawing/2014/main" id="{61B12827-B364-4917-9FFE-81E6DC484A39}"/>
-              </a:ext>
-            </a:extLst>
-          </p:cNvPr>
-          <p:cNvSpPr/>
-          <p:nvPr/>
-        </p:nvSpPr>
-        <p:spPr>
-          <a:xfrm>
-            <a:off x="18026589" y="1409604"/>
-            <a:ext cx="1639456" cy="4038788"/>
-          </a:xfrm>
-          <a:prstGeom prst="roundRect">
-            <a:avLst/>
-          </a:prstGeom>
-        </p:spPr>
-        <p:style>
-          <a:lnRef idx="2">
-            <a:schemeClr val="dk1"/>
-          </a:lnRef>
-          <a:fillRef idx="1">
-            <a:schemeClr val="lt1"/>
-          </a:fillRef>
-          <a:effectRef idx="0">
-            <a:schemeClr val="dk1"/>
-          </a:effectRef>
-          <a:fontRef idx="minor">
-            <a:schemeClr val="dk1"/>
-          </a:fontRef>
-        </p:style>
-        <p:txBody>
-          <a:bodyPr rtlCol="0" anchor="ctr"/>
-          <a:lstStyle/>
-          <a:p>
-            <a:pPr algn="ctr"/>
-            <a:r>
-              <a:rPr lang="en-US" altLang="ko-KR" sz="1400" b="1" dirty="0"/>
-              <a:t>FC Layer</a:t>
-            </a:r>
-          </a:p>
-          <a:p>
-            <a:pPr algn="ctr"/>
-            <a:r>
-              <a:rPr lang="en-US" altLang="ko-KR" sz="1400" dirty="0"/>
-              <a:t>(Feature</a:t>
-            </a:r>
-          </a:p>
-          <a:p>
-            <a:pPr algn="ctr"/>
-            <a:r>
-              <a:rPr lang="en-US" altLang="ko-KR" sz="1400" dirty="0"/>
-              <a:t>Concatenation)</a:t>
-            </a:r>
-          </a:p>
-          <a:p>
-            <a:pPr algn="ctr"/>
-            <a:r>
-              <a:rPr lang="en-US" altLang="ko-KR" sz="1400" dirty="0"/>
-              <a:t>+</a:t>
-            </a:r>
-          </a:p>
-          <a:p>
-            <a:pPr algn="ctr"/>
-            <a:r>
-              <a:rPr lang="en-US" altLang="ko-KR" sz="1400" b="1" dirty="0" err="1"/>
-              <a:t>ReLU</a:t>
-            </a:r>
-            <a:endParaRPr lang="en-US" altLang="ko-KR" sz="1400" b="1" dirty="0"/>
-          </a:p>
-          <a:p>
-            <a:pPr algn="ctr"/>
-            <a:r>
-              <a:rPr lang="en-US" altLang="ko-KR" sz="1400" dirty="0"/>
-              <a:t>Activation</a:t>
-            </a:r>
-            <a:endParaRPr lang="ko-KR" altLang="en-US" sz="1400" dirty="0"/>
-          </a:p>
-        </p:txBody>
-      </p:sp>
-      <p:cxnSp>
-        <p:nvCxnSpPr>
-          <p:cNvPr id="27" name="직선 화살표 연결선 26">
-            <a:extLst>
-              <a:ext uri="{FF2B5EF4-FFF2-40B4-BE49-F238E27FC236}">
-                <a16:creationId xmlns:a16="http://schemas.microsoft.com/office/drawing/2014/main" id="{436399CE-EFDC-4359-A7FD-86E521611967}"/>
-              </a:ext>
-            </a:extLst>
-          </p:cNvPr>
-          <p:cNvCxnSpPr>
-            <a:cxnSpLocks/>
-            <a:stCxn id="23" idx="3"/>
-          </p:cNvCxnSpPr>
-          <p:nvPr/>
-        </p:nvCxnSpPr>
-        <p:spPr>
-          <a:xfrm>
-            <a:off x="17377454" y="1894454"/>
-            <a:ext cx="649136" cy="0"/>
-          </a:xfrm>
-          <a:prstGeom prst="straightConnector1">
-            <a:avLst/>
-          </a:prstGeom>
-          <a:ln>
-            <a:tailEnd type="triangle"/>
-          </a:ln>
-        </p:spPr>
-        <p:style>
-          <a:lnRef idx="1">
-            <a:schemeClr val="dk1"/>
-          </a:lnRef>
-          <a:fillRef idx="0">
-            <a:schemeClr val="dk1"/>
-          </a:fillRef>
-          <a:effectRef idx="0">
-            <a:schemeClr val="dk1"/>
-          </a:effectRef>
-          <a:fontRef idx="minor">
-            <a:schemeClr val="tx1"/>
-          </a:fontRef>
-        </p:style>
-      </p:cxnSp>
-      <p:cxnSp>
-        <p:nvCxnSpPr>
-          <p:cNvPr id="30" name="직선 화살표 연결선 29">
-            <a:extLst>
-              <a:ext uri="{FF2B5EF4-FFF2-40B4-BE49-F238E27FC236}">
-                <a16:creationId xmlns:a16="http://schemas.microsoft.com/office/drawing/2014/main" id="{6D257179-8979-46B0-B9EC-A712D9216FB9}"/>
-              </a:ext>
-            </a:extLst>
-          </p:cNvPr>
-          <p:cNvCxnSpPr>
-            <a:cxnSpLocks/>
-            <a:stCxn id="17" idx="3"/>
-          </p:cNvCxnSpPr>
-          <p:nvPr/>
-        </p:nvCxnSpPr>
-        <p:spPr>
-          <a:xfrm>
-            <a:off x="15088862" y="4963542"/>
-            <a:ext cx="2937728" cy="0"/>
-          </a:xfrm>
-          <a:prstGeom prst="straightConnector1">
-            <a:avLst/>
-          </a:prstGeom>
-          <a:ln>
-            <a:tailEnd type="triangle"/>
-          </a:ln>
-        </p:spPr>
-        <p:style>
-          <a:lnRef idx="1">
-            <a:schemeClr val="dk1"/>
-          </a:lnRef>
-          <a:fillRef idx="0">
-            <a:schemeClr val="dk1"/>
-          </a:fillRef>
-          <a:effectRef idx="0">
-            <a:schemeClr val="dk1"/>
-          </a:effectRef>
-          <a:fontRef idx="minor">
-            <a:schemeClr val="tx1"/>
-          </a:fontRef>
-        </p:style>
-      </p:cxnSp>
-      <p:sp>
-        <p:nvSpPr>
-          <p:cNvPr id="33" name="사각형: 둥근 모서리 32">
-            <a:extLst>
-              <a:ext uri="{FF2B5EF4-FFF2-40B4-BE49-F238E27FC236}">
-                <a16:creationId xmlns:a16="http://schemas.microsoft.com/office/drawing/2014/main" id="{D29451AB-F261-489A-A259-69B18EAC2F53}"/>
-              </a:ext>
-            </a:extLst>
-          </p:cNvPr>
-          <p:cNvSpPr/>
-          <p:nvPr/>
-        </p:nvSpPr>
-        <p:spPr>
-          <a:xfrm>
-            <a:off x="20315181" y="2949117"/>
-            <a:ext cx="1639456" cy="969700"/>
-          </a:xfrm>
-          <a:prstGeom prst="roundRect">
-            <a:avLst/>
-          </a:prstGeom>
-        </p:spPr>
-        <p:style>
-          <a:lnRef idx="2">
-            <a:schemeClr val="dk1"/>
-          </a:lnRef>
-          <a:fillRef idx="1">
-            <a:schemeClr val="lt1"/>
-          </a:fillRef>
-          <a:effectRef idx="0">
-            <a:schemeClr val="dk1"/>
-          </a:effectRef>
-          <a:fontRef idx="minor">
-            <a:schemeClr val="dk1"/>
-          </a:fontRef>
-        </p:style>
-        <p:txBody>
-          <a:bodyPr rtlCol="0" anchor="ctr"/>
-          <a:lstStyle/>
-          <a:p>
-            <a:pPr algn="ctr"/>
-            <a:r>
-              <a:rPr lang="en-US" altLang="ko-KR" sz="1400" b="1" dirty="0"/>
-              <a:t>FC Layer</a:t>
-            </a:r>
-          </a:p>
-          <a:p>
-            <a:pPr algn="ctr"/>
-            <a:r>
-              <a:rPr lang="en-US" altLang="ko-KR" sz="1400" dirty="0"/>
-              <a:t>+</a:t>
-            </a:r>
-          </a:p>
-          <a:p>
-            <a:pPr algn="ctr"/>
-            <a:r>
-              <a:rPr lang="en-US" altLang="ko-KR" sz="1400" b="1" dirty="0" err="1"/>
-              <a:t>ReLU</a:t>
-            </a:r>
-            <a:endParaRPr lang="en-US" altLang="ko-KR" sz="1400" b="1" dirty="0"/>
-          </a:p>
-          <a:p>
-            <a:pPr algn="ctr"/>
-            <a:r>
-              <a:rPr lang="en-US" altLang="ko-KR" sz="1400" dirty="0"/>
-              <a:t>Activation</a:t>
-            </a:r>
-            <a:endParaRPr lang="ko-KR" altLang="en-US" sz="1400" dirty="0"/>
-          </a:p>
-        </p:txBody>
-      </p:sp>
-      <p:cxnSp>
-        <p:nvCxnSpPr>
-          <p:cNvPr id="34" name="직선 화살표 연결선 33">
-            <a:extLst>
-              <a:ext uri="{FF2B5EF4-FFF2-40B4-BE49-F238E27FC236}">
-                <a16:creationId xmlns:a16="http://schemas.microsoft.com/office/drawing/2014/main" id="{93792DF6-12D2-4349-A14E-9A58EF7CAFFB}"/>
-              </a:ext>
-            </a:extLst>
-          </p:cNvPr>
-          <p:cNvCxnSpPr>
-            <a:cxnSpLocks/>
-            <a:stCxn id="26" idx="3"/>
-            <a:endCxn id="33" idx="1"/>
-          </p:cNvCxnSpPr>
-          <p:nvPr/>
-        </p:nvCxnSpPr>
-        <p:spPr>
-          <a:xfrm>
-            <a:off x="19666046" y="3429002"/>
-            <a:ext cx="649136" cy="4969"/>
-          </a:xfrm>
-          <a:prstGeom prst="straightConnector1">
-            <a:avLst/>
-          </a:prstGeom>
-          <a:ln>
-            <a:tailEnd type="triangle"/>
-          </a:ln>
-        </p:spPr>
-        <p:style>
-          <a:lnRef idx="1">
-            <a:schemeClr val="dk1"/>
-          </a:lnRef>
-          <a:fillRef idx="0">
-            <a:schemeClr val="dk1"/>
-          </a:fillRef>
-          <a:effectRef idx="0">
-            <a:schemeClr val="dk1"/>
-          </a:effectRef>
-          <a:fontRef idx="minor">
-            <a:schemeClr val="tx1"/>
-          </a:fontRef>
-        </p:style>
-      </p:cxnSp>
-      <p:sp>
-        <p:nvSpPr>
-          <p:cNvPr id="37" name="TextBox 36">
-            <a:extLst>
-              <a:ext uri="{FF2B5EF4-FFF2-40B4-BE49-F238E27FC236}">
-                <a16:creationId xmlns:a16="http://schemas.microsoft.com/office/drawing/2014/main" id="{8D0276B1-57B9-449A-9366-850E86375136}"/>
-              </a:ext>
-            </a:extLst>
-          </p:cNvPr>
-          <p:cNvSpPr txBox="1"/>
-          <p:nvPr/>
-        </p:nvSpPr>
-        <p:spPr>
-          <a:xfrm>
-            <a:off x="11368969" y="2343247"/>
-            <a:ext cx="1276311" cy="338554"/>
-          </a:xfrm>
-          <a:prstGeom prst="rect">
-            <a:avLst/>
-          </a:prstGeom>
-          <a:noFill/>
-        </p:spPr>
-        <p:txBody>
-          <a:bodyPr wrap="none" rtlCol="0">
-            <a:spAutoFit/>
-          </a:bodyPr>
-          <a:lstStyle/>
-          <a:p>
-            <a:r>
-              <a:rPr lang="en-US" altLang="ko-KR" sz="1600" dirty="0"/>
-              <a:t>500 x 500 x 1</a:t>
-            </a:r>
-            <a:endParaRPr lang="ko-KR" altLang="en-US" sz="1600" dirty="0"/>
-          </a:p>
-        </p:txBody>
-      </p:sp>
-      <p:sp>
-        <p:nvSpPr>
-          <p:cNvPr id="38" name="TextBox 37">
-            <a:extLst>
-              <a:ext uri="{FF2B5EF4-FFF2-40B4-BE49-F238E27FC236}">
-                <a16:creationId xmlns:a16="http://schemas.microsoft.com/office/drawing/2014/main" id="{7DF80006-A894-4185-84B8-B282A2815118}"/>
-              </a:ext>
-            </a:extLst>
-          </p:cNvPr>
-          <p:cNvSpPr txBox="1"/>
-          <p:nvPr/>
-        </p:nvSpPr>
-        <p:spPr>
-          <a:xfrm>
-            <a:off x="11877257" y="5448392"/>
-            <a:ext cx="288862" cy="338554"/>
-          </a:xfrm>
-          <a:prstGeom prst="rect">
-            <a:avLst/>
-          </a:prstGeom>
-          <a:noFill/>
-        </p:spPr>
-        <p:txBody>
-          <a:bodyPr wrap="none" rtlCol="0">
-            <a:spAutoFit/>
-          </a:bodyPr>
-          <a:lstStyle/>
-          <a:p>
-            <a:r>
-              <a:rPr lang="en-US" altLang="ko-KR" sz="1600" dirty="0"/>
-              <a:t>1</a:t>
-            </a:r>
-            <a:endParaRPr lang="ko-KR" altLang="en-US" sz="1600" dirty="0"/>
-          </a:p>
-        </p:txBody>
-      </p:sp>
-      <p:sp>
-        <p:nvSpPr>
-          <p:cNvPr id="39" name="TextBox 38">
-            <a:extLst>
-              <a:ext uri="{FF2B5EF4-FFF2-40B4-BE49-F238E27FC236}">
-                <a16:creationId xmlns:a16="http://schemas.microsoft.com/office/drawing/2014/main" id="{1AC89CC8-320B-4D75-8783-7481AB7F4D85}"/>
-              </a:ext>
-            </a:extLst>
-          </p:cNvPr>
-          <p:cNvSpPr txBox="1"/>
-          <p:nvPr/>
-        </p:nvSpPr>
-        <p:spPr>
-          <a:xfrm>
-            <a:off x="16309099" y="2379304"/>
-            <a:ext cx="497252" cy="338554"/>
-          </a:xfrm>
-          <a:prstGeom prst="rect">
-            <a:avLst/>
-          </a:prstGeom>
-          <a:noFill/>
-        </p:spPr>
-        <p:txBody>
-          <a:bodyPr wrap="none" rtlCol="0">
-            <a:spAutoFit/>
-          </a:bodyPr>
-          <a:lstStyle/>
-          <a:p>
-            <a:r>
-              <a:rPr lang="en-US" altLang="ko-KR" sz="1600" dirty="0"/>
-              <a:t>400</a:t>
-            </a:r>
-            <a:endParaRPr lang="ko-KR" altLang="en-US" sz="1600" dirty="0"/>
-          </a:p>
-        </p:txBody>
-      </p:sp>
-      <p:sp>
-        <p:nvSpPr>
-          <p:cNvPr id="42" name="TextBox 41">
-            <a:extLst>
-              <a:ext uri="{FF2B5EF4-FFF2-40B4-BE49-F238E27FC236}">
-                <a16:creationId xmlns:a16="http://schemas.microsoft.com/office/drawing/2014/main" id="{2CE79E12-17C4-4F26-82E6-4A342472B86D}"/>
-              </a:ext>
-            </a:extLst>
-          </p:cNvPr>
-          <p:cNvSpPr txBox="1"/>
-          <p:nvPr/>
-        </p:nvSpPr>
-        <p:spPr>
-          <a:xfrm>
-            <a:off x="14070534" y="5428428"/>
-            <a:ext cx="393056" cy="338554"/>
-          </a:xfrm>
-          <a:prstGeom prst="rect">
-            <a:avLst/>
-          </a:prstGeom>
-          <a:noFill/>
-        </p:spPr>
-        <p:txBody>
-          <a:bodyPr wrap="none" rtlCol="0">
-            <a:spAutoFit/>
-          </a:bodyPr>
-          <a:lstStyle/>
-          <a:p>
-            <a:r>
-              <a:rPr lang="en-US" altLang="ko-KR" sz="1600" dirty="0"/>
-              <a:t>16</a:t>
-            </a:r>
-            <a:endParaRPr lang="ko-KR" altLang="en-US" sz="1600" dirty="0"/>
-          </a:p>
-        </p:txBody>
-      </p:sp>
-      <p:sp>
-        <p:nvSpPr>
-          <p:cNvPr id="43" name="TextBox 42">
-            <a:extLst>
-              <a:ext uri="{FF2B5EF4-FFF2-40B4-BE49-F238E27FC236}">
-                <a16:creationId xmlns:a16="http://schemas.microsoft.com/office/drawing/2014/main" id="{C3640181-7B91-4541-A29A-BC873B6B12C6}"/>
-              </a:ext>
-            </a:extLst>
-          </p:cNvPr>
-          <p:cNvSpPr txBox="1"/>
-          <p:nvPr/>
-        </p:nvSpPr>
-        <p:spPr>
-          <a:xfrm>
-            <a:off x="13962770" y="2369322"/>
-            <a:ext cx="601447" cy="338554"/>
-          </a:xfrm>
-          <a:prstGeom prst="rect">
-            <a:avLst/>
-          </a:prstGeom>
-          <a:noFill/>
-        </p:spPr>
-        <p:txBody>
-          <a:bodyPr wrap="none" rtlCol="0">
-            <a:spAutoFit/>
-          </a:bodyPr>
-          <a:lstStyle/>
-          <a:p>
-            <a:r>
-              <a:rPr lang="en-US" altLang="ko-KR" sz="1600" dirty="0"/>
-              <a:t>2048</a:t>
-            </a:r>
-            <a:endParaRPr lang="ko-KR" altLang="en-US" sz="1600" dirty="0"/>
-          </a:p>
-        </p:txBody>
-      </p:sp>
-      <p:sp>
-        <p:nvSpPr>
-          <p:cNvPr id="44" name="TextBox 43">
-            <a:extLst>
-              <a:ext uri="{FF2B5EF4-FFF2-40B4-BE49-F238E27FC236}">
-                <a16:creationId xmlns:a16="http://schemas.microsoft.com/office/drawing/2014/main" id="{793A4B20-5E7E-48D0-A111-EEC9BB05CDAE}"/>
-              </a:ext>
-            </a:extLst>
-          </p:cNvPr>
-          <p:cNvSpPr txBox="1"/>
-          <p:nvPr/>
-        </p:nvSpPr>
-        <p:spPr>
-          <a:xfrm>
-            <a:off x="18597691" y="5431896"/>
-            <a:ext cx="497252" cy="338554"/>
-          </a:xfrm>
-          <a:prstGeom prst="rect">
-            <a:avLst/>
-          </a:prstGeom>
-          <a:noFill/>
-        </p:spPr>
-        <p:txBody>
-          <a:bodyPr wrap="none" rtlCol="0">
-            <a:spAutoFit/>
-          </a:bodyPr>
-          <a:lstStyle/>
-          <a:p>
-            <a:r>
-              <a:rPr lang="en-US" altLang="ko-KR" sz="1600" dirty="0"/>
-              <a:t>416</a:t>
-            </a:r>
-            <a:endParaRPr lang="ko-KR" altLang="en-US" sz="1600" dirty="0"/>
-          </a:p>
-        </p:txBody>
-      </p:sp>
-      <p:sp>
-        <p:nvSpPr>
-          <p:cNvPr id="45" name="TextBox 44">
-            <a:extLst>
-              <a:ext uri="{FF2B5EF4-FFF2-40B4-BE49-F238E27FC236}">
-                <a16:creationId xmlns:a16="http://schemas.microsoft.com/office/drawing/2014/main" id="{6BAC7228-7AB3-4D0B-BDD2-6860DFBF553A}"/>
-              </a:ext>
-            </a:extLst>
-          </p:cNvPr>
-          <p:cNvSpPr txBox="1"/>
-          <p:nvPr/>
-        </p:nvSpPr>
-        <p:spPr>
-          <a:xfrm>
-            <a:off x="20886283" y="3918817"/>
-            <a:ext cx="497252" cy="338554"/>
-          </a:xfrm>
-          <a:prstGeom prst="rect">
-            <a:avLst/>
-          </a:prstGeom>
-          <a:noFill/>
-        </p:spPr>
-        <p:txBody>
-          <a:bodyPr wrap="none" rtlCol="0">
-            <a:spAutoFit/>
-          </a:bodyPr>
-          <a:lstStyle/>
-          <a:p>
-            <a:r>
-              <a:rPr lang="en-US" altLang="ko-KR" sz="1600" dirty="0"/>
-              <a:t>200</a:t>
-            </a:r>
-            <a:endParaRPr lang="ko-KR" altLang="en-US" sz="1600" dirty="0"/>
-          </a:p>
-        </p:txBody>
-      </p:sp>
-      <p:sp>
-        <p:nvSpPr>
-          <p:cNvPr id="46" name="사각형: 둥근 모서리 45">
-            <a:extLst>
-              <a:ext uri="{FF2B5EF4-FFF2-40B4-BE49-F238E27FC236}">
-                <a16:creationId xmlns:a16="http://schemas.microsoft.com/office/drawing/2014/main" id="{721AE322-D211-46A8-8B2D-63842C569B75}"/>
-              </a:ext>
-            </a:extLst>
-          </p:cNvPr>
-          <p:cNvSpPr/>
-          <p:nvPr/>
-        </p:nvSpPr>
-        <p:spPr>
-          <a:xfrm>
-            <a:off x="22603773" y="2944150"/>
-            <a:ext cx="1639456" cy="969700"/>
-          </a:xfrm>
-          <a:prstGeom prst="roundRect">
-            <a:avLst/>
-          </a:prstGeom>
-        </p:spPr>
-        <p:style>
-          <a:lnRef idx="2">
-            <a:schemeClr val="dk1"/>
-          </a:lnRef>
-          <a:fillRef idx="1">
-            <a:schemeClr val="lt1"/>
-          </a:fillRef>
-          <a:effectRef idx="0">
-            <a:schemeClr val="dk1"/>
-          </a:effectRef>
-          <a:fontRef idx="minor">
-            <a:schemeClr val="dk1"/>
-          </a:fontRef>
-        </p:style>
-        <p:txBody>
-          <a:bodyPr rtlCol="0" anchor="ctr"/>
-          <a:lstStyle/>
-          <a:p>
-            <a:pPr algn="ctr"/>
-            <a:r>
-              <a:rPr lang="en-US" altLang="ko-KR" sz="1400" b="1" dirty="0"/>
-              <a:t>FC Layer</a:t>
-            </a:r>
-          </a:p>
-          <a:p>
-            <a:pPr algn="ctr"/>
-            <a:r>
-              <a:rPr lang="en-US" altLang="ko-KR" sz="1400" dirty="0"/>
-              <a:t>+</a:t>
-            </a:r>
-          </a:p>
-          <a:p>
-            <a:pPr algn="ctr"/>
-            <a:r>
-              <a:rPr lang="en-US" altLang="ko-KR" sz="1400" b="1" dirty="0"/>
-              <a:t>Sigmoid</a:t>
-            </a:r>
-          </a:p>
-          <a:p>
-            <a:pPr algn="ctr"/>
-            <a:r>
-              <a:rPr lang="en-US" altLang="ko-KR" sz="1400" dirty="0"/>
-              <a:t>Activation</a:t>
-            </a:r>
-            <a:endParaRPr lang="ko-KR" altLang="en-US" sz="1400" dirty="0"/>
-          </a:p>
-        </p:txBody>
-      </p:sp>
-      <p:cxnSp>
-        <p:nvCxnSpPr>
-          <p:cNvPr id="48" name="직선 화살표 연결선 47">
-            <a:extLst>
-              <a:ext uri="{FF2B5EF4-FFF2-40B4-BE49-F238E27FC236}">
-                <a16:creationId xmlns:a16="http://schemas.microsoft.com/office/drawing/2014/main" id="{C811A3E9-BB61-4474-B5C3-EA52DF320B74}"/>
-              </a:ext>
-            </a:extLst>
-          </p:cNvPr>
-          <p:cNvCxnSpPr>
-            <a:cxnSpLocks/>
-            <a:stCxn id="33" idx="3"/>
-            <a:endCxn id="46" idx="1"/>
-          </p:cNvCxnSpPr>
-          <p:nvPr/>
-        </p:nvCxnSpPr>
-        <p:spPr>
-          <a:xfrm flipV="1">
-            <a:off x="21954637" y="3429002"/>
-            <a:ext cx="649136" cy="4967"/>
-          </a:xfrm>
-          <a:prstGeom prst="straightConnector1">
-            <a:avLst/>
-          </a:prstGeom>
-          <a:ln>
-            <a:tailEnd type="triangle"/>
-          </a:ln>
-        </p:spPr>
-        <p:style>
-          <a:lnRef idx="1">
-            <a:schemeClr val="dk1"/>
-          </a:lnRef>
-          <a:fillRef idx="0">
-            <a:schemeClr val="dk1"/>
-          </a:fillRef>
-          <a:effectRef idx="0">
-            <a:schemeClr val="dk1"/>
-          </a:effectRef>
-          <a:fontRef idx="minor">
-            <a:schemeClr val="tx1"/>
-          </a:fontRef>
-        </p:style>
-      </p:cxnSp>
-      <p:sp>
-        <p:nvSpPr>
-          <p:cNvPr id="51" name="TextBox 50">
-            <a:extLst>
-              <a:ext uri="{FF2B5EF4-FFF2-40B4-BE49-F238E27FC236}">
-                <a16:creationId xmlns:a16="http://schemas.microsoft.com/office/drawing/2014/main" id="{68FA730A-33C8-4013-A55F-A5CF1ECA9E16}"/>
-              </a:ext>
-            </a:extLst>
-          </p:cNvPr>
-          <p:cNvSpPr txBox="1"/>
-          <p:nvPr/>
-        </p:nvSpPr>
-        <p:spPr>
-          <a:xfrm>
-            <a:off x="23199757" y="3918817"/>
-            <a:ext cx="288862" cy="338554"/>
-          </a:xfrm>
-          <a:prstGeom prst="rect">
-            <a:avLst/>
-          </a:prstGeom>
-          <a:noFill/>
-        </p:spPr>
-        <p:txBody>
-          <a:bodyPr wrap="none" rtlCol="0">
-            <a:spAutoFit/>
-          </a:bodyPr>
-          <a:lstStyle/>
-          <a:p>
-            <a:r>
-              <a:rPr lang="en-US" altLang="ko-KR" sz="1600" dirty="0"/>
-              <a:t>1</a:t>
-            </a:r>
-            <a:endParaRPr lang="ko-KR" altLang="en-US" sz="1600" dirty="0"/>
-          </a:p>
-        </p:txBody>
-      </p:sp>
-      <p:cxnSp>
-        <p:nvCxnSpPr>
-          <p:cNvPr id="53" name="직선 화살표 연결선 52">
-            <a:extLst>
-              <a:ext uri="{FF2B5EF4-FFF2-40B4-BE49-F238E27FC236}">
-                <a16:creationId xmlns:a16="http://schemas.microsoft.com/office/drawing/2014/main" id="{89B5E54A-4C2E-4D46-A5FE-43D1C92DB6AE}"/>
-              </a:ext>
-            </a:extLst>
-          </p:cNvPr>
-          <p:cNvCxnSpPr>
-            <a:cxnSpLocks/>
-            <a:stCxn id="46" idx="3"/>
-            <a:endCxn id="54" idx="1"/>
-          </p:cNvCxnSpPr>
-          <p:nvPr/>
-        </p:nvCxnSpPr>
-        <p:spPr>
-          <a:xfrm flipV="1">
-            <a:off x="24243229" y="3428998"/>
-            <a:ext cx="609704" cy="2"/>
-          </a:xfrm>
-          <a:prstGeom prst="straightConnector1">
-            <a:avLst/>
-          </a:prstGeom>
-          <a:ln>
-            <a:tailEnd type="triangle"/>
-          </a:ln>
-        </p:spPr>
-        <p:style>
-          <a:lnRef idx="1">
-            <a:schemeClr val="dk1"/>
-          </a:lnRef>
-          <a:fillRef idx="0">
-            <a:schemeClr val="dk1"/>
-          </a:fillRef>
-          <a:effectRef idx="0">
-            <a:schemeClr val="dk1"/>
-          </a:effectRef>
-          <a:fontRef idx="minor">
-            <a:schemeClr val="tx1"/>
-          </a:fontRef>
-        </p:style>
-      </p:cxnSp>
-      <p:sp>
-        <p:nvSpPr>
-          <p:cNvPr id="54" name="사각형: 둥근 모서리 53">
-            <a:extLst>
-              <a:ext uri="{FF2B5EF4-FFF2-40B4-BE49-F238E27FC236}">
-                <a16:creationId xmlns:a16="http://schemas.microsoft.com/office/drawing/2014/main" id="{3BE687E1-56DA-4BE8-8865-BBCC11148CEE}"/>
-              </a:ext>
-            </a:extLst>
-          </p:cNvPr>
-          <p:cNvSpPr/>
-          <p:nvPr/>
-        </p:nvSpPr>
-        <p:spPr>
-          <a:xfrm>
-            <a:off x="24852933" y="2944148"/>
-            <a:ext cx="1639456" cy="969700"/>
-          </a:xfrm>
-          <a:prstGeom prst="roundRect">
-            <a:avLst/>
-          </a:prstGeom>
-        </p:spPr>
-        <p:style>
-          <a:lnRef idx="2">
-            <a:schemeClr val="dk1"/>
-          </a:lnRef>
-          <a:fillRef idx="1">
-            <a:schemeClr val="lt1"/>
-          </a:fillRef>
-          <a:effectRef idx="0">
-            <a:schemeClr val="dk1"/>
-          </a:effectRef>
-          <a:fontRef idx="minor">
-            <a:schemeClr val="dk1"/>
-          </a:fontRef>
-        </p:style>
-        <p:txBody>
-          <a:bodyPr rtlCol="0" anchor="ctr"/>
-          <a:lstStyle/>
-          <a:p>
-            <a:pPr algn="ctr"/>
-            <a:r>
-              <a:rPr lang="en-US" altLang="ko-KR" sz="1400" b="1" dirty="0"/>
-              <a:t>Bone Age</a:t>
-            </a:r>
-          </a:p>
-          <a:p>
-            <a:pPr algn="ctr"/>
-            <a:r>
-              <a:rPr lang="en-US" altLang="ko-KR" sz="1400" b="1" dirty="0"/>
-              <a:t>Data</a:t>
-            </a:r>
-            <a:r>
-              <a:rPr lang="en-US" altLang="ko-KR" sz="1400" dirty="0"/>
-              <a:t>: Continuous</a:t>
-            </a:r>
-            <a:endParaRPr lang="ko-KR" altLang="en-US" sz="1400" dirty="0"/>
-          </a:p>
-        </p:txBody>
-      </p:sp>
+        </p:grpSpPr>
+        <p:sp>
+          <p:nvSpPr>
+            <p:cNvPr id="47" name="사각형: 둥근 모서리 46">
+              <a:extLst>
+                <a:ext uri="{FF2B5EF4-FFF2-40B4-BE49-F238E27FC236}">
+                  <a16:creationId xmlns:a16="http://schemas.microsoft.com/office/drawing/2014/main" id="{3C11B267-680D-4541-A46B-AD61117672CF}"/>
+                </a:ext>
+              </a:extLst>
+            </p:cNvPr>
+            <p:cNvSpPr/>
+            <p:nvPr/>
+          </p:nvSpPr>
+          <p:spPr>
+            <a:xfrm>
+              <a:off x="24645568" y="469351"/>
+              <a:ext cx="2054187" cy="5990253"/>
+            </a:xfrm>
+            <a:prstGeom prst="roundRect">
+              <a:avLst>
+                <a:gd name="adj" fmla="val 13786"/>
+              </a:avLst>
+            </a:prstGeom>
+          </p:spPr>
+          <p:style>
+            <a:lnRef idx="2">
+              <a:schemeClr val="dk1"/>
+            </a:lnRef>
+            <a:fillRef idx="1">
+              <a:schemeClr val="lt1"/>
+            </a:fillRef>
+            <a:effectRef idx="0">
+              <a:schemeClr val="dk1"/>
+            </a:effectRef>
+            <a:fontRef idx="minor">
+              <a:schemeClr val="dk1"/>
+            </a:fontRef>
+          </p:style>
+          <p:txBody>
+            <a:bodyPr wrap="square" lIns="0" tIns="0" rIns="0" bIns="0" rtlCol="0" anchor="t" anchorCtr="0">
+              <a:normAutofit/>
+            </a:bodyPr>
+            <a:lstStyle/>
+            <a:p>
+              <a:pPr algn="ctr"/>
+              <a:r>
+                <a:rPr lang="en-US" altLang="ko-KR" sz="2400" dirty="0"/>
+                <a:t>Outputs</a:t>
+              </a:r>
+              <a:endParaRPr lang="ko-KR" altLang="en-US" sz="2400" dirty="0"/>
+            </a:p>
+          </p:txBody>
+        </p:sp>
+        <p:sp>
+          <p:nvSpPr>
+            <p:cNvPr id="18" name="사각형: 둥근 모서리 17">
+              <a:extLst>
+                <a:ext uri="{FF2B5EF4-FFF2-40B4-BE49-F238E27FC236}">
+                  <a16:creationId xmlns:a16="http://schemas.microsoft.com/office/drawing/2014/main" id="{709E8AF3-9FB7-4D0C-8EA8-2DDA2344FC78}"/>
+                </a:ext>
+              </a:extLst>
+            </p:cNvPr>
+            <p:cNvSpPr/>
+            <p:nvPr/>
+          </p:nvSpPr>
+          <p:spPr>
+            <a:xfrm>
+              <a:off x="13241581" y="433875"/>
+              <a:ext cx="11185961" cy="5990253"/>
+            </a:xfrm>
+            <a:prstGeom prst="roundRect">
+              <a:avLst>
+                <a:gd name="adj" fmla="val 3894"/>
+              </a:avLst>
+            </a:prstGeom>
+          </p:spPr>
+          <p:style>
+            <a:lnRef idx="2">
+              <a:schemeClr val="dk1"/>
+            </a:lnRef>
+            <a:fillRef idx="1">
+              <a:schemeClr val="lt1"/>
+            </a:fillRef>
+            <a:effectRef idx="0">
+              <a:schemeClr val="dk1"/>
+            </a:effectRef>
+            <a:fontRef idx="minor">
+              <a:schemeClr val="dk1"/>
+            </a:fontRef>
+          </p:style>
+          <p:txBody>
+            <a:bodyPr wrap="square" lIns="0" tIns="0" rIns="0" bIns="0" rtlCol="0" anchor="t" anchorCtr="0">
+              <a:normAutofit/>
+            </a:bodyPr>
+            <a:lstStyle/>
+            <a:p>
+              <a:pPr algn="ctr"/>
+              <a:r>
+                <a:rPr lang="en-US" altLang="ko-KR" sz="2400" dirty="0"/>
+                <a:t>Neural Network</a:t>
+              </a:r>
+            </a:p>
+            <a:p>
+              <a:pPr algn="ctr"/>
+              <a:r>
+                <a:rPr lang="en-US" altLang="ko-KR" sz="2400" dirty="0"/>
+                <a:t>Architecture</a:t>
+              </a:r>
+              <a:endParaRPr lang="ko-KR" altLang="en-US" sz="2400" dirty="0"/>
+            </a:p>
+          </p:txBody>
+        </p:sp>
+        <p:sp>
+          <p:nvSpPr>
+            <p:cNvPr id="8" name="사각형: 둥근 모서리 7">
+              <a:extLst>
+                <a:ext uri="{FF2B5EF4-FFF2-40B4-BE49-F238E27FC236}">
+                  <a16:creationId xmlns:a16="http://schemas.microsoft.com/office/drawing/2014/main" id="{59487227-C6DD-491D-BDDC-3D9ED459461A}"/>
+                </a:ext>
+              </a:extLst>
+            </p:cNvPr>
+            <p:cNvSpPr/>
+            <p:nvPr/>
+          </p:nvSpPr>
+          <p:spPr>
+            <a:xfrm>
+              <a:off x="10980030" y="433875"/>
+              <a:ext cx="2054186" cy="5990253"/>
+            </a:xfrm>
+            <a:prstGeom prst="roundRect">
+              <a:avLst>
+                <a:gd name="adj" fmla="val 11101"/>
+              </a:avLst>
+            </a:prstGeom>
+          </p:spPr>
+          <p:style>
+            <a:lnRef idx="2">
+              <a:schemeClr val="dk1"/>
+            </a:lnRef>
+            <a:fillRef idx="1">
+              <a:schemeClr val="lt1"/>
+            </a:fillRef>
+            <a:effectRef idx="0">
+              <a:schemeClr val="dk1"/>
+            </a:effectRef>
+            <a:fontRef idx="minor">
+              <a:schemeClr val="dk1"/>
+            </a:fontRef>
+          </p:style>
+          <p:txBody>
+            <a:bodyPr wrap="square" lIns="0" tIns="0" rIns="0" bIns="0" rtlCol="0" anchor="t" anchorCtr="0">
+              <a:normAutofit/>
+            </a:bodyPr>
+            <a:lstStyle/>
+            <a:p>
+              <a:pPr algn="ctr"/>
+              <a:r>
+                <a:rPr lang="en-US" altLang="ko-KR" sz="2400" dirty="0"/>
+                <a:t>inputs</a:t>
+              </a:r>
+              <a:endParaRPr lang="ko-KR" altLang="en-US" sz="2400" dirty="0"/>
+            </a:p>
+          </p:txBody>
+        </p:sp>
+        <p:sp>
+          <p:nvSpPr>
+            <p:cNvPr id="5" name="사각형: 둥근 모서리 4">
+              <a:extLst>
+                <a:ext uri="{FF2B5EF4-FFF2-40B4-BE49-F238E27FC236}">
+                  <a16:creationId xmlns:a16="http://schemas.microsoft.com/office/drawing/2014/main" id="{D0D9F26E-FEA4-42A5-ABE7-604136B98214}"/>
+                </a:ext>
+              </a:extLst>
+            </p:cNvPr>
+            <p:cNvSpPr/>
+            <p:nvPr/>
+          </p:nvSpPr>
+          <p:spPr>
+            <a:xfrm>
+              <a:off x="13449405" y="1409604"/>
+              <a:ext cx="1639456" cy="969700"/>
+            </a:xfrm>
+            <a:prstGeom prst="roundRect">
+              <a:avLst/>
+            </a:prstGeom>
+          </p:spPr>
+          <p:style>
+            <a:lnRef idx="2">
+              <a:schemeClr val="dk1"/>
+            </a:lnRef>
+            <a:fillRef idx="1">
+              <a:schemeClr val="lt1"/>
+            </a:fillRef>
+            <a:effectRef idx="0">
+              <a:schemeClr val="dk1"/>
+            </a:effectRef>
+            <a:fontRef idx="minor">
+              <a:schemeClr val="dk1"/>
+            </a:fontRef>
+          </p:style>
+          <p:txBody>
+            <a:bodyPr wrap="square" lIns="0" tIns="0" rIns="0" bIns="0" rtlCol="0" anchor="ctr">
+              <a:normAutofit/>
+            </a:bodyPr>
+            <a:lstStyle/>
+            <a:p>
+              <a:pPr algn="ctr"/>
+              <a:r>
+                <a:rPr lang="en-US" altLang="ko-KR" b="1" dirty="0"/>
+                <a:t>SE </a:t>
+              </a:r>
+              <a:r>
+                <a:rPr lang="en-US" altLang="ko-KR" b="1" dirty="0" err="1"/>
+                <a:t>ResNext</a:t>
+              </a:r>
+              <a:endParaRPr lang="en-US" altLang="ko-KR" b="1" dirty="0"/>
+            </a:p>
+            <a:p>
+              <a:pPr algn="ctr"/>
+              <a:r>
+                <a:rPr lang="en-US" altLang="ko-KR" dirty="0"/>
+                <a:t>CNN</a:t>
+              </a:r>
+            </a:p>
+            <a:p>
+              <a:pPr algn="ctr"/>
+              <a:r>
+                <a:rPr lang="en-US" altLang="ko-KR" dirty="0"/>
+                <a:t>Architecture</a:t>
+              </a:r>
+            </a:p>
+          </p:txBody>
+        </p:sp>
+        <p:sp>
+          <p:nvSpPr>
+            <p:cNvPr id="12" name="사각형: 둥근 모서리 11">
+              <a:extLst>
+                <a:ext uri="{FF2B5EF4-FFF2-40B4-BE49-F238E27FC236}">
+                  <a16:creationId xmlns:a16="http://schemas.microsoft.com/office/drawing/2014/main" id="{351BA0E8-D259-4BBD-B19A-79AD588AD6E3}"/>
+                </a:ext>
+              </a:extLst>
+            </p:cNvPr>
+            <p:cNvSpPr/>
+            <p:nvPr/>
+          </p:nvSpPr>
+          <p:spPr>
+            <a:xfrm>
+              <a:off x="11187395" y="4478692"/>
+              <a:ext cx="1639456" cy="969700"/>
+            </a:xfrm>
+            <a:prstGeom prst="roundRect">
+              <a:avLst/>
+            </a:prstGeom>
+          </p:spPr>
+          <p:style>
+            <a:lnRef idx="2">
+              <a:schemeClr val="dk1"/>
+            </a:lnRef>
+            <a:fillRef idx="1">
+              <a:schemeClr val="lt1"/>
+            </a:fillRef>
+            <a:effectRef idx="0">
+              <a:schemeClr val="dk1"/>
+            </a:effectRef>
+            <a:fontRef idx="minor">
+              <a:schemeClr val="dk1"/>
+            </a:fontRef>
+          </p:style>
+          <p:txBody>
+            <a:bodyPr wrap="square" lIns="0" tIns="0" rIns="0" bIns="0" rtlCol="0" anchor="ctr">
+              <a:normAutofit/>
+            </a:bodyPr>
+            <a:lstStyle/>
+            <a:p>
+              <a:pPr algn="ctr"/>
+              <a:r>
+                <a:rPr lang="en-US" altLang="ko-KR" b="1" dirty="0"/>
+                <a:t>Gender</a:t>
+              </a:r>
+            </a:p>
+            <a:p>
+              <a:r>
+                <a:rPr lang="en-US" altLang="ko-KR" b="1" dirty="0"/>
+                <a:t>Data:</a:t>
+              </a:r>
+              <a:r>
+                <a:rPr lang="en-US" altLang="ko-KR" dirty="0"/>
+                <a:t> </a:t>
+              </a:r>
+              <a:r>
+                <a:rPr lang="en-US" altLang="ko-KR" sz="1600" dirty="0"/>
+                <a:t>Categorical</a:t>
+              </a:r>
+            </a:p>
+          </p:txBody>
+        </p:sp>
+        <p:sp>
+          <p:nvSpPr>
+            <p:cNvPr id="16" name="사각형: 둥근 모서리 15">
+              <a:extLst>
+                <a:ext uri="{FF2B5EF4-FFF2-40B4-BE49-F238E27FC236}">
+                  <a16:creationId xmlns:a16="http://schemas.microsoft.com/office/drawing/2014/main" id="{D330B986-3632-4271-B49E-C67C17475779}"/>
+                </a:ext>
+              </a:extLst>
+            </p:cNvPr>
+            <p:cNvSpPr/>
+            <p:nvPr/>
+          </p:nvSpPr>
+          <p:spPr>
+            <a:xfrm>
+              <a:off x="11187395" y="1409604"/>
+              <a:ext cx="1639456" cy="969700"/>
+            </a:xfrm>
+            <a:prstGeom prst="roundRect">
+              <a:avLst/>
+            </a:prstGeom>
+          </p:spPr>
+          <p:style>
+            <a:lnRef idx="2">
+              <a:schemeClr val="dk1"/>
+            </a:lnRef>
+            <a:fillRef idx="1">
+              <a:schemeClr val="lt1"/>
+            </a:fillRef>
+            <a:effectRef idx="0">
+              <a:schemeClr val="dk1"/>
+            </a:effectRef>
+            <a:fontRef idx="minor">
+              <a:schemeClr val="dk1"/>
+            </a:fontRef>
+          </p:style>
+          <p:txBody>
+            <a:bodyPr wrap="square" lIns="0" tIns="0" rIns="0" bIns="0" rtlCol="0" anchor="ctr">
+              <a:normAutofit/>
+            </a:bodyPr>
+            <a:lstStyle/>
+            <a:p>
+              <a:pPr algn="ctr"/>
+              <a:r>
+                <a:rPr lang="en-US" altLang="ko-KR" b="1" dirty="0"/>
+                <a:t>X-Ray</a:t>
+              </a:r>
+            </a:p>
+            <a:p>
+              <a:r>
+                <a:rPr lang="en-US" altLang="ko-KR" b="1" dirty="0"/>
+                <a:t>Data: </a:t>
+              </a:r>
+              <a:r>
+                <a:rPr lang="en-US" altLang="ko-KR" sz="1600" dirty="0"/>
+                <a:t>resize Image</a:t>
+              </a:r>
+              <a:endParaRPr lang="en-US" altLang="ko-KR" dirty="0"/>
+            </a:p>
+          </p:txBody>
+        </p:sp>
+        <p:sp>
+          <p:nvSpPr>
+            <p:cNvPr id="17" name="사각형: 둥근 모서리 16">
+              <a:extLst>
+                <a:ext uri="{FF2B5EF4-FFF2-40B4-BE49-F238E27FC236}">
+                  <a16:creationId xmlns:a16="http://schemas.microsoft.com/office/drawing/2014/main" id="{94B2C418-6E24-4DA4-AA57-F794A21BD197}"/>
+                </a:ext>
+              </a:extLst>
+            </p:cNvPr>
+            <p:cNvSpPr/>
+            <p:nvPr/>
+          </p:nvSpPr>
+          <p:spPr>
+            <a:xfrm>
+              <a:off x="13449405" y="4478692"/>
+              <a:ext cx="1639456" cy="969700"/>
+            </a:xfrm>
+            <a:prstGeom prst="roundRect">
+              <a:avLst/>
+            </a:prstGeom>
+          </p:spPr>
+          <p:style>
+            <a:lnRef idx="2">
+              <a:schemeClr val="dk1"/>
+            </a:lnRef>
+            <a:fillRef idx="1">
+              <a:schemeClr val="lt1"/>
+            </a:fillRef>
+            <a:effectRef idx="0">
+              <a:schemeClr val="dk1"/>
+            </a:effectRef>
+            <a:fontRef idx="minor">
+              <a:schemeClr val="dk1"/>
+            </a:fontRef>
+          </p:style>
+          <p:txBody>
+            <a:bodyPr wrap="square" lIns="0" tIns="0" rIns="0" bIns="0" rtlCol="0" anchor="ctr">
+              <a:normAutofit fontScale="92500" lnSpcReduction="20000"/>
+            </a:bodyPr>
+            <a:lstStyle/>
+            <a:p>
+              <a:pPr algn="ctr"/>
+              <a:r>
+                <a:rPr lang="en-US" altLang="ko-KR" b="1" dirty="0"/>
+                <a:t>FC Layer</a:t>
+              </a:r>
+            </a:p>
+            <a:p>
+              <a:pPr algn="ctr"/>
+              <a:r>
+                <a:rPr lang="en-US" altLang="ko-KR" dirty="0"/>
+                <a:t>+</a:t>
+              </a:r>
+            </a:p>
+            <a:p>
+              <a:pPr algn="ctr"/>
+              <a:r>
+                <a:rPr lang="en-US" altLang="ko-KR" b="1" dirty="0" err="1"/>
+                <a:t>ReLU</a:t>
+              </a:r>
+              <a:endParaRPr lang="en-US" altLang="ko-KR" b="1" dirty="0"/>
+            </a:p>
+            <a:p>
+              <a:pPr algn="ctr"/>
+              <a:r>
+                <a:rPr lang="en-US" altLang="ko-KR" dirty="0"/>
+                <a:t>Activation</a:t>
+              </a:r>
+              <a:endParaRPr lang="ko-KR" altLang="en-US" dirty="0"/>
+            </a:p>
+          </p:txBody>
+        </p:sp>
+        <p:cxnSp>
+          <p:nvCxnSpPr>
+            <p:cNvPr id="20" name="직선 화살표 연결선 19">
+              <a:extLst>
+                <a:ext uri="{FF2B5EF4-FFF2-40B4-BE49-F238E27FC236}">
+                  <a16:creationId xmlns:a16="http://schemas.microsoft.com/office/drawing/2014/main" id="{E1E374A1-A8EA-44B0-B52F-2A161D40A2B5}"/>
+                </a:ext>
+              </a:extLst>
+            </p:cNvPr>
+            <p:cNvCxnSpPr/>
+            <p:nvPr/>
+          </p:nvCxnSpPr>
+          <p:spPr>
+            <a:xfrm>
+              <a:off x="12826851" y="1894454"/>
+              <a:ext cx="622554" cy="0"/>
+            </a:xfrm>
+            <a:prstGeom prst="straightConnector1">
+              <a:avLst/>
+            </a:prstGeom>
+            <a:ln>
+              <a:tailEnd type="triangle"/>
+            </a:ln>
+          </p:spPr>
+          <p:style>
+            <a:lnRef idx="1">
+              <a:schemeClr val="dk1"/>
+            </a:lnRef>
+            <a:fillRef idx="0">
+              <a:schemeClr val="dk1"/>
+            </a:fillRef>
+            <a:effectRef idx="0">
+              <a:schemeClr val="dk1"/>
+            </a:effectRef>
+            <a:fontRef idx="minor">
+              <a:schemeClr val="tx1"/>
+            </a:fontRef>
+          </p:style>
+        </p:cxnSp>
+        <p:cxnSp>
+          <p:nvCxnSpPr>
+            <p:cNvPr id="22" name="직선 화살표 연결선 21">
+              <a:extLst>
+                <a:ext uri="{FF2B5EF4-FFF2-40B4-BE49-F238E27FC236}">
+                  <a16:creationId xmlns:a16="http://schemas.microsoft.com/office/drawing/2014/main" id="{FFCEAD9B-5BC6-45C3-A180-F364A5F75D29}"/>
+                </a:ext>
+              </a:extLst>
+            </p:cNvPr>
+            <p:cNvCxnSpPr/>
+            <p:nvPr/>
+          </p:nvCxnSpPr>
+          <p:spPr>
+            <a:xfrm>
+              <a:off x="12826851" y="4963542"/>
+              <a:ext cx="622554" cy="0"/>
+            </a:xfrm>
+            <a:prstGeom prst="straightConnector1">
+              <a:avLst/>
+            </a:prstGeom>
+            <a:ln>
+              <a:tailEnd type="triangle"/>
+            </a:ln>
+          </p:spPr>
+          <p:style>
+            <a:lnRef idx="1">
+              <a:schemeClr val="dk1"/>
+            </a:lnRef>
+            <a:fillRef idx="0">
+              <a:schemeClr val="dk1"/>
+            </a:fillRef>
+            <a:effectRef idx="0">
+              <a:schemeClr val="dk1"/>
+            </a:effectRef>
+            <a:fontRef idx="minor">
+              <a:schemeClr val="tx1"/>
+            </a:fontRef>
+          </p:style>
+        </p:cxnSp>
+        <p:sp>
+          <p:nvSpPr>
+            <p:cNvPr id="23" name="사각형: 둥근 모서리 22">
+              <a:extLst>
+                <a:ext uri="{FF2B5EF4-FFF2-40B4-BE49-F238E27FC236}">
+                  <a16:creationId xmlns:a16="http://schemas.microsoft.com/office/drawing/2014/main" id="{1032ED5C-6837-41F6-9B80-B9F12A7454F5}"/>
+                </a:ext>
+              </a:extLst>
+            </p:cNvPr>
+            <p:cNvSpPr/>
+            <p:nvPr/>
+          </p:nvSpPr>
+          <p:spPr>
+            <a:xfrm>
+              <a:off x="15737997" y="1409604"/>
+              <a:ext cx="1639456" cy="969700"/>
+            </a:xfrm>
+            <a:prstGeom prst="roundRect">
+              <a:avLst/>
+            </a:prstGeom>
+          </p:spPr>
+          <p:style>
+            <a:lnRef idx="2">
+              <a:schemeClr val="dk1"/>
+            </a:lnRef>
+            <a:fillRef idx="1">
+              <a:schemeClr val="lt1"/>
+            </a:fillRef>
+            <a:effectRef idx="0">
+              <a:schemeClr val="dk1"/>
+            </a:effectRef>
+            <a:fontRef idx="minor">
+              <a:schemeClr val="dk1"/>
+            </a:fontRef>
+          </p:style>
+          <p:txBody>
+            <a:bodyPr wrap="square" lIns="0" tIns="0" rIns="0" bIns="0" rtlCol="0" anchor="ctr">
+              <a:normAutofit fontScale="92500" lnSpcReduction="20000"/>
+            </a:bodyPr>
+            <a:lstStyle/>
+            <a:p>
+              <a:pPr algn="ctr"/>
+              <a:r>
+                <a:rPr lang="en-US" altLang="ko-KR" b="1" dirty="0"/>
+                <a:t>FC Layer</a:t>
+              </a:r>
+            </a:p>
+            <a:p>
+              <a:pPr algn="ctr"/>
+              <a:r>
+                <a:rPr lang="en-US" altLang="ko-KR" dirty="0"/>
+                <a:t>+</a:t>
+              </a:r>
+            </a:p>
+            <a:p>
+              <a:pPr algn="ctr"/>
+              <a:r>
+                <a:rPr lang="en-US" altLang="ko-KR" b="1" dirty="0" err="1"/>
+                <a:t>ReLU</a:t>
+              </a:r>
+              <a:endParaRPr lang="en-US" altLang="ko-KR" b="1" dirty="0"/>
+            </a:p>
+            <a:p>
+              <a:pPr algn="ctr"/>
+              <a:r>
+                <a:rPr lang="en-US" altLang="ko-KR" dirty="0"/>
+                <a:t>Activation</a:t>
+              </a:r>
+              <a:endParaRPr lang="ko-KR" altLang="en-US" dirty="0"/>
+            </a:p>
+          </p:txBody>
+        </p:sp>
+        <p:cxnSp>
+          <p:nvCxnSpPr>
+            <p:cNvPr id="25" name="직선 화살표 연결선 24">
+              <a:extLst>
+                <a:ext uri="{FF2B5EF4-FFF2-40B4-BE49-F238E27FC236}">
+                  <a16:creationId xmlns:a16="http://schemas.microsoft.com/office/drawing/2014/main" id="{86EE0CE2-2242-4502-9295-8022617EBA35}"/>
+                </a:ext>
+              </a:extLst>
+            </p:cNvPr>
+            <p:cNvCxnSpPr>
+              <a:stCxn id="5" idx="3"/>
+              <a:endCxn id="23" idx="1"/>
+            </p:cNvCxnSpPr>
+            <p:nvPr/>
+          </p:nvCxnSpPr>
+          <p:spPr>
+            <a:xfrm>
+              <a:off x="15088861" y="1894454"/>
+              <a:ext cx="649136" cy="0"/>
+            </a:xfrm>
+            <a:prstGeom prst="straightConnector1">
+              <a:avLst/>
+            </a:prstGeom>
+            <a:ln>
+              <a:tailEnd type="triangle"/>
+            </a:ln>
+          </p:spPr>
+          <p:style>
+            <a:lnRef idx="1">
+              <a:schemeClr val="dk1"/>
+            </a:lnRef>
+            <a:fillRef idx="0">
+              <a:schemeClr val="dk1"/>
+            </a:fillRef>
+            <a:effectRef idx="0">
+              <a:schemeClr val="dk1"/>
+            </a:effectRef>
+            <a:fontRef idx="minor">
+              <a:schemeClr val="tx1"/>
+            </a:fontRef>
+          </p:style>
+        </p:cxnSp>
+        <p:sp>
+          <p:nvSpPr>
+            <p:cNvPr id="26" name="사각형: 둥근 모서리 25">
+              <a:extLst>
+                <a:ext uri="{FF2B5EF4-FFF2-40B4-BE49-F238E27FC236}">
+                  <a16:creationId xmlns:a16="http://schemas.microsoft.com/office/drawing/2014/main" id="{61B12827-B364-4917-9FFE-81E6DC484A39}"/>
+                </a:ext>
+              </a:extLst>
+            </p:cNvPr>
+            <p:cNvSpPr/>
+            <p:nvPr/>
+          </p:nvSpPr>
+          <p:spPr>
+            <a:xfrm>
+              <a:off x="18026589" y="1409604"/>
+              <a:ext cx="1639456" cy="4038788"/>
+            </a:xfrm>
+            <a:prstGeom prst="roundRect">
+              <a:avLst/>
+            </a:prstGeom>
+          </p:spPr>
+          <p:style>
+            <a:lnRef idx="2">
+              <a:schemeClr val="dk1"/>
+            </a:lnRef>
+            <a:fillRef idx="1">
+              <a:schemeClr val="lt1"/>
+            </a:fillRef>
+            <a:effectRef idx="0">
+              <a:schemeClr val="dk1"/>
+            </a:effectRef>
+            <a:fontRef idx="minor">
+              <a:schemeClr val="dk1"/>
+            </a:fontRef>
+          </p:style>
+          <p:txBody>
+            <a:bodyPr wrap="square" lIns="0" tIns="0" rIns="0" bIns="0" rtlCol="0" anchor="ctr">
+              <a:normAutofit/>
+            </a:bodyPr>
+            <a:lstStyle/>
+            <a:p>
+              <a:pPr algn="ctr"/>
+              <a:r>
+                <a:rPr lang="en-US" altLang="ko-KR" b="1" dirty="0"/>
+                <a:t>FC Layer</a:t>
+              </a:r>
+            </a:p>
+            <a:p>
+              <a:pPr algn="ctr"/>
+              <a:r>
+                <a:rPr lang="en-US" altLang="ko-KR" dirty="0"/>
+                <a:t>(Feature</a:t>
+              </a:r>
+            </a:p>
+            <a:p>
+              <a:pPr algn="ctr"/>
+              <a:r>
+                <a:rPr lang="en-US" altLang="ko-KR" dirty="0"/>
+                <a:t>Concatenation)</a:t>
+              </a:r>
+            </a:p>
+            <a:p>
+              <a:pPr algn="ctr"/>
+              <a:r>
+                <a:rPr lang="en-US" altLang="ko-KR" dirty="0"/>
+                <a:t>+</a:t>
+              </a:r>
+            </a:p>
+            <a:p>
+              <a:pPr algn="ctr"/>
+              <a:r>
+                <a:rPr lang="en-US" altLang="ko-KR" b="1" dirty="0" err="1"/>
+                <a:t>ReLU</a:t>
+              </a:r>
+              <a:endParaRPr lang="en-US" altLang="ko-KR" b="1" dirty="0"/>
+            </a:p>
+            <a:p>
+              <a:pPr algn="ctr"/>
+              <a:r>
+                <a:rPr lang="en-US" altLang="ko-KR" dirty="0"/>
+                <a:t>Activation</a:t>
+              </a:r>
+              <a:endParaRPr lang="ko-KR" altLang="en-US" dirty="0"/>
+            </a:p>
+          </p:txBody>
+        </p:sp>
+        <p:cxnSp>
+          <p:nvCxnSpPr>
+            <p:cNvPr id="27" name="직선 화살표 연결선 26">
+              <a:extLst>
+                <a:ext uri="{FF2B5EF4-FFF2-40B4-BE49-F238E27FC236}">
+                  <a16:creationId xmlns:a16="http://schemas.microsoft.com/office/drawing/2014/main" id="{436399CE-EFDC-4359-A7FD-86E521611967}"/>
+                </a:ext>
+              </a:extLst>
+            </p:cNvPr>
+            <p:cNvCxnSpPr>
+              <a:cxnSpLocks/>
+              <a:stCxn id="23" idx="3"/>
+            </p:cNvCxnSpPr>
+            <p:nvPr/>
+          </p:nvCxnSpPr>
+          <p:spPr>
+            <a:xfrm>
+              <a:off x="17377454" y="1894454"/>
+              <a:ext cx="649136" cy="0"/>
+            </a:xfrm>
+            <a:prstGeom prst="straightConnector1">
+              <a:avLst/>
+            </a:prstGeom>
+            <a:ln>
+              <a:tailEnd type="triangle"/>
+            </a:ln>
+          </p:spPr>
+          <p:style>
+            <a:lnRef idx="1">
+              <a:schemeClr val="dk1"/>
+            </a:lnRef>
+            <a:fillRef idx="0">
+              <a:schemeClr val="dk1"/>
+            </a:fillRef>
+            <a:effectRef idx="0">
+              <a:schemeClr val="dk1"/>
+            </a:effectRef>
+            <a:fontRef idx="minor">
+              <a:schemeClr val="tx1"/>
+            </a:fontRef>
+          </p:style>
+        </p:cxnSp>
+        <p:cxnSp>
+          <p:nvCxnSpPr>
+            <p:cNvPr id="30" name="직선 화살표 연결선 29">
+              <a:extLst>
+                <a:ext uri="{FF2B5EF4-FFF2-40B4-BE49-F238E27FC236}">
+                  <a16:creationId xmlns:a16="http://schemas.microsoft.com/office/drawing/2014/main" id="{6D257179-8979-46B0-B9EC-A712D9216FB9}"/>
+                </a:ext>
+              </a:extLst>
+            </p:cNvPr>
+            <p:cNvCxnSpPr>
+              <a:cxnSpLocks/>
+              <a:stCxn id="17" idx="3"/>
+            </p:cNvCxnSpPr>
+            <p:nvPr/>
+          </p:nvCxnSpPr>
+          <p:spPr>
+            <a:xfrm>
+              <a:off x="15088862" y="4963542"/>
+              <a:ext cx="2937728" cy="0"/>
+            </a:xfrm>
+            <a:prstGeom prst="straightConnector1">
+              <a:avLst/>
+            </a:prstGeom>
+            <a:ln>
+              <a:tailEnd type="triangle"/>
+            </a:ln>
+          </p:spPr>
+          <p:style>
+            <a:lnRef idx="1">
+              <a:schemeClr val="dk1"/>
+            </a:lnRef>
+            <a:fillRef idx="0">
+              <a:schemeClr val="dk1"/>
+            </a:fillRef>
+            <a:effectRef idx="0">
+              <a:schemeClr val="dk1"/>
+            </a:effectRef>
+            <a:fontRef idx="minor">
+              <a:schemeClr val="tx1"/>
+            </a:fontRef>
+          </p:style>
+        </p:cxnSp>
+        <p:sp>
+          <p:nvSpPr>
+            <p:cNvPr id="33" name="사각형: 둥근 모서리 32">
+              <a:extLst>
+                <a:ext uri="{FF2B5EF4-FFF2-40B4-BE49-F238E27FC236}">
+                  <a16:creationId xmlns:a16="http://schemas.microsoft.com/office/drawing/2014/main" id="{D29451AB-F261-489A-A259-69B18EAC2F53}"/>
+                </a:ext>
+              </a:extLst>
+            </p:cNvPr>
+            <p:cNvSpPr/>
+            <p:nvPr/>
+          </p:nvSpPr>
+          <p:spPr>
+            <a:xfrm>
+              <a:off x="20315181" y="2949117"/>
+              <a:ext cx="1639456" cy="969700"/>
+            </a:xfrm>
+            <a:prstGeom prst="roundRect">
+              <a:avLst/>
+            </a:prstGeom>
+          </p:spPr>
+          <p:style>
+            <a:lnRef idx="2">
+              <a:schemeClr val="dk1"/>
+            </a:lnRef>
+            <a:fillRef idx="1">
+              <a:schemeClr val="lt1"/>
+            </a:fillRef>
+            <a:effectRef idx="0">
+              <a:schemeClr val="dk1"/>
+            </a:effectRef>
+            <a:fontRef idx="minor">
+              <a:schemeClr val="dk1"/>
+            </a:fontRef>
+          </p:style>
+          <p:txBody>
+            <a:bodyPr wrap="square" lIns="0" tIns="0" rIns="0" bIns="0" rtlCol="0" anchor="ctr">
+              <a:normAutofit fontScale="92500" lnSpcReduction="20000"/>
+            </a:bodyPr>
+            <a:lstStyle/>
+            <a:p>
+              <a:pPr algn="ctr"/>
+              <a:r>
+                <a:rPr lang="en-US" altLang="ko-KR" b="1" dirty="0"/>
+                <a:t>FC Layer</a:t>
+              </a:r>
+            </a:p>
+            <a:p>
+              <a:pPr algn="ctr"/>
+              <a:r>
+                <a:rPr lang="en-US" altLang="ko-KR" dirty="0"/>
+                <a:t>+</a:t>
+              </a:r>
+            </a:p>
+            <a:p>
+              <a:pPr algn="ctr"/>
+              <a:r>
+                <a:rPr lang="en-US" altLang="ko-KR" b="1" dirty="0" err="1"/>
+                <a:t>ReLU</a:t>
+              </a:r>
+              <a:endParaRPr lang="en-US" altLang="ko-KR" b="1" dirty="0"/>
+            </a:p>
+            <a:p>
+              <a:pPr algn="ctr"/>
+              <a:r>
+                <a:rPr lang="en-US" altLang="ko-KR" dirty="0"/>
+                <a:t>Activation</a:t>
+              </a:r>
+              <a:endParaRPr lang="ko-KR" altLang="en-US" dirty="0"/>
+            </a:p>
+          </p:txBody>
+        </p:sp>
+        <p:cxnSp>
+          <p:nvCxnSpPr>
+            <p:cNvPr id="34" name="직선 화살표 연결선 33">
+              <a:extLst>
+                <a:ext uri="{FF2B5EF4-FFF2-40B4-BE49-F238E27FC236}">
+                  <a16:creationId xmlns:a16="http://schemas.microsoft.com/office/drawing/2014/main" id="{93792DF6-12D2-4349-A14E-9A58EF7CAFFB}"/>
+                </a:ext>
+              </a:extLst>
+            </p:cNvPr>
+            <p:cNvCxnSpPr>
+              <a:cxnSpLocks/>
+              <a:stCxn id="26" idx="3"/>
+              <a:endCxn id="33" idx="1"/>
+            </p:cNvCxnSpPr>
+            <p:nvPr/>
+          </p:nvCxnSpPr>
+          <p:spPr>
+            <a:xfrm>
+              <a:off x="19666046" y="3429002"/>
+              <a:ext cx="649136" cy="4969"/>
+            </a:xfrm>
+            <a:prstGeom prst="straightConnector1">
+              <a:avLst/>
+            </a:prstGeom>
+            <a:ln>
+              <a:tailEnd type="triangle"/>
+            </a:ln>
+          </p:spPr>
+          <p:style>
+            <a:lnRef idx="1">
+              <a:schemeClr val="dk1"/>
+            </a:lnRef>
+            <a:fillRef idx="0">
+              <a:schemeClr val="dk1"/>
+            </a:fillRef>
+            <a:effectRef idx="0">
+              <a:schemeClr val="dk1"/>
+            </a:effectRef>
+            <a:fontRef idx="minor">
+              <a:schemeClr val="tx1"/>
+            </a:fontRef>
+          </p:style>
+        </p:cxnSp>
+        <p:sp>
+          <p:nvSpPr>
+            <p:cNvPr id="37" name="TextBox 36">
+              <a:extLst>
+                <a:ext uri="{FF2B5EF4-FFF2-40B4-BE49-F238E27FC236}">
+                  <a16:creationId xmlns:a16="http://schemas.microsoft.com/office/drawing/2014/main" id="{8D0276B1-57B9-449A-9366-850E86375136}"/>
+                </a:ext>
+              </a:extLst>
+            </p:cNvPr>
+            <p:cNvSpPr txBox="1"/>
+            <p:nvPr/>
+          </p:nvSpPr>
+          <p:spPr>
+            <a:xfrm>
+              <a:off x="11368969" y="2343247"/>
+              <a:ext cx="1397302" cy="307777"/>
+            </a:xfrm>
+            <a:prstGeom prst="rect">
+              <a:avLst/>
+            </a:prstGeom>
+            <a:noFill/>
+          </p:spPr>
+          <p:txBody>
+            <a:bodyPr wrap="square" lIns="0" tIns="0" rIns="0" bIns="0" rtlCol="0">
+              <a:normAutofit/>
+            </a:bodyPr>
+            <a:lstStyle/>
+            <a:p>
+              <a:r>
+                <a:rPr lang="en-US" altLang="ko-KR" sz="2000" dirty="0"/>
+                <a:t>500 x 500 x 1</a:t>
+              </a:r>
+              <a:endParaRPr lang="ko-KR" altLang="en-US" sz="2000" dirty="0"/>
+            </a:p>
+          </p:txBody>
+        </p:sp>
+        <p:sp>
+          <p:nvSpPr>
+            <p:cNvPr id="38" name="TextBox 37">
+              <a:extLst>
+                <a:ext uri="{FF2B5EF4-FFF2-40B4-BE49-F238E27FC236}">
+                  <a16:creationId xmlns:a16="http://schemas.microsoft.com/office/drawing/2014/main" id="{7DF80006-A894-4185-84B8-B282A2815118}"/>
+                </a:ext>
+              </a:extLst>
+            </p:cNvPr>
+            <p:cNvSpPr txBox="1"/>
+            <p:nvPr/>
+          </p:nvSpPr>
+          <p:spPr>
+            <a:xfrm>
+              <a:off x="11877257" y="5448392"/>
+              <a:ext cx="129844" cy="307777"/>
+            </a:xfrm>
+            <a:prstGeom prst="rect">
+              <a:avLst/>
+            </a:prstGeom>
+            <a:noFill/>
+          </p:spPr>
+          <p:txBody>
+            <a:bodyPr wrap="square" lIns="0" tIns="0" rIns="0" bIns="0" rtlCol="0">
+              <a:normAutofit/>
+            </a:bodyPr>
+            <a:lstStyle/>
+            <a:p>
+              <a:r>
+                <a:rPr lang="en-US" altLang="ko-KR" sz="2000" dirty="0"/>
+                <a:t>1</a:t>
+              </a:r>
+              <a:endParaRPr lang="ko-KR" altLang="en-US" sz="2000" dirty="0"/>
+            </a:p>
+          </p:txBody>
+        </p:sp>
+        <p:sp>
+          <p:nvSpPr>
+            <p:cNvPr id="39" name="TextBox 38">
+              <a:extLst>
+                <a:ext uri="{FF2B5EF4-FFF2-40B4-BE49-F238E27FC236}">
+                  <a16:creationId xmlns:a16="http://schemas.microsoft.com/office/drawing/2014/main" id="{1AC89CC8-320B-4D75-8783-7481AB7F4D85}"/>
+                </a:ext>
+              </a:extLst>
+            </p:cNvPr>
+            <p:cNvSpPr txBox="1"/>
+            <p:nvPr/>
+          </p:nvSpPr>
+          <p:spPr>
+            <a:xfrm>
+              <a:off x="16309099" y="2379304"/>
+              <a:ext cx="389530" cy="307777"/>
+            </a:xfrm>
+            <a:prstGeom prst="rect">
+              <a:avLst/>
+            </a:prstGeom>
+            <a:noFill/>
+          </p:spPr>
+          <p:txBody>
+            <a:bodyPr wrap="square" lIns="0" tIns="0" rIns="0" bIns="0" rtlCol="0">
+              <a:normAutofit/>
+            </a:bodyPr>
+            <a:lstStyle/>
+            <a:p>
+              <a:r>
+                <a:rPr lang="en-US" altLang="ko-KR" sz="2000" dirty="0"/>
+                <a:t>400</a:t>
+              </a:r>
+              <a:endParaRPr lang="ko-KR" altLang="en-US" sz="2000" dirty="0"/>
+            </a:p>
+          </p:txBody>
+        </p:sp>
+        <p:sp>
+          <p:nvSpPr>
+            <p:cNvPr id="42" name="TextBox 41">
+              <a:extLst>
+                <a:ext uri="{FF2B5EF4-FFF2-40B4-BE49-F238E27FC236}">
+                  <a16:creationId xmlns:a16="http://schemas.microsoft.com/office/drawing/2014/main" id="{2CE79E12-17C4-4F26-82E6-4A342472B86D}"/>
+                </a:ext>
+              </a:extLst>
+            </p:cNvPr>
+            <p:cNvSpPr txBox="1"/>
+            <p:nvPr/>
+          </p:nvSpPr>
+          <p:spPr>
+            <a:xfrm>
+              <a:off x="14070534" y="5428428"/>
+              <a:ext cx="259686" cy="307777"/>
+            </a:xfrm>
+            <a:prstGeom prst="rect">
+              <a:avLst/>
+            </a:prstGeom>
+            <a:noFill/>
+          </p:spPr>
+          <p:txBody>
+            <a:bodyPr wrap="square" lIns="0" tIns="0" rIns="0" bIns="0" rtlCol="0">
+              <a:normAutofit/>
+            </a:bodyPr>
+            <a:lstStyle/>
+            <a:p>
+              <a:r>
+                <a:rPr lang="en-US" altLang="ko-KR" sz="2000" dirty="0"/>
+                <a:t>16</a:t>
+              </a:r>
+              <a:endParaRPr lang="ko-KR" altLang="en-US" sz="2000" dirty="0"/>
+            </a:p>
+          </p:txBody>
+        </p:sp>
+        <p:sp>
+          <p:nvSpPr>
+            <p:cNvPr id="43" name="TextBox 42">
+              <a:extLst>
+                <a:ext uri="{FF2B5EF4-FFF2-40B4-BE49-F238E27FC236}">
+                  <a16:creationId xmlns:a16="http://schemas.microsoft.com/office/drawing/2014/main" id="{C3640181-7B91-4541-A29A-BC873B6B12C6}"/>
+                </a:ext>
+              </a:extLst>
+            </p:cNvPr>
+            <p:cNvSpPr txBox="1"/>
+            <p:nvPr/>
+          </p:nvSpPr>
+          <p:spPr>
+            <a:xfrm>
+              <a:off x="13962770" y="2369322"/>
+              <a:ext cx="519373" cy="307777"/>
+            </a:xfrm>
+            <a:prstGeom prst="rect">
+              <a:avLst/>
+            </a:prstGeom>
+            <a:noFill/>
+          </p:spPr>
+          <p:txBody>
+            <a:bodyPr wrap="square" lIns="0" tIns="0" rIns="0" bIns="0" rtlCol="0">
+              <a:normAutofit/>
+            </a:bodyPr>
+            <a:lstStyle/>
+            <a:p>
+              <a:r>
+                <a:rPr lang="en-US" altLang="ko-KR" sz="2000" dirty="0"/>
+                <a:t>2048</a:t>
+              </a:r>
+              <a:endParaRPr lang="ko-KR" altLang="en-US" sz="2000" dirty="0"/>
+            </a:p>
+          </p:txBody>
+        </p:sp>
+        <p:sp>
+          <p:nvSpPr>
+            <p:cNvPr id="44" name="TextBox 43">
+              <a:extLst>
+                <a:ext uri="{FF2B5EF4-FFF2-40B4-BE49-F238E27FC236}">
+                  <a16:creationId xmlns:a16="http://schemas.microsoft.com/office/drawing/2014/main" id="{793A4B20-5E7E-48D0-A111-EEC9BB05CDAE}"/>
+                </a:ext>
+              </a:extLst>
+            </p:cNvPr>
+            <p:cNvSpPr txBox="1"/>
+            <p:nvPr/>
+          </p:nvSpPr>
+          <p:spPr>
+            <a:xfrm>
+              <a:off x="18597691" y="5431896"/>
+              <a:ext cx="389530" cy="307777"/>
+            </a:xfrm>
+            <a:prstGeom prst="rect">
+              <a:avLst/>
+            </a:prstGeom>
+            <a:noFill/>
+          </p:spPr>
+          <p:txBody>
+            <a:bodyPr wrap="square" lIns="0" tIns="0" rIns="0" bIns="0" rtlCol="0">
+              <a:normAutofit/>
+            </a:bodyPr>
+            <a:lstStyle/>
+            <a:p>
+              <a:r>
+                <a:rPr lang="en-US" altLang="ko-KR" sz="2000" dirty="0"/>
+                <a:t>416</a:t>
+              </a:r>
+              <a:endParaRPr lang="ko-KR" altLang="en-US" sz="2000" dirty="0"/>
+            </a:p>
+          </p:txBody>
+        </p:sp>
+        <p:sp>
+          <p:nvSpPr>
+            <p:cNvPr id="45" name="TextBox 44">
+              <a:extLst>
+                <a:ext uri="{FF2B5EF4-FFF2-40B4-BE49-F238E27FC236}">
+                  <a16:creationId xmlns:a16="http://schemas.microsoft.com/office/drawing/2014/main" id="{6BAC7228-7AB3-4D0B-BDD2-6860DFBF553A}"/>
+                </a:ext>
+              </a:extLst>
+            </p:cNvPr>
+            <p:cNvSpPr txBox="1"/>
+            <p:nvPr/>
+          </p:nvSpPr>
+          <p:spPr>
+            <a:xfrm>
+              <a:off x="20886283" y="3918817"/>
+              <a:ext cx="389530" cy="307777"/>
+            </a:xfrm>
+            <a:prstGeom prst="rect">
+              <a:avLst/>
+            </a:prstGeom>
+            <a:noFill/>
+          </p:spPr>
+          <p:txBody>
+            <a:bodyPr wrap="square" lIns="0" tIns="0" rIns="0" bIns="0" rtlCol="0">
+              <a:normAutofit/>
+            </a:bodyPr>
+            <a:lstStyle/>
+            <a:p>
+              <a:r>
+                <a:rPr lang="en-US" altLang="ko-KR" sz="2000" dirty="0"/>
+                <a:t>200</a:t>
+              </a:r>
+              <a:endParaRPr lang="ko-KR" altLang="en-US" sz="2000" dirty="0"/>
+            </a:p>
+          </p:txBody>
+        </p:sp>
+        <p:sp>
+          <p:nvSpPr>
+            <p:cNvPr id="46" name="사각형: 둥근 모서리 45">
+              <a:extLst>
+                <a:ext uri="{FF2B5EF4-FFF2-40B4-BE49-F238E27FC236}">
+                  <a16:creationId xmlns:a16="http://schemas.microsoft.com/office/drawing/2014/main" id="{721AE322-D211-46A8-8B2D-63842C569B75}"/>
+                </a:ext>
+              </a:extLst>
+            </p:cNvPr>
+            <p:cNvSpPr/>
+            <p:nvPr/>
+          </p:nvSpPr>
+          <p:spPr>
+            <a:xfrm>
+              <a:off x="22603773" y="2944150"/>
+              <a:ext cx="1639456" cy="969700"/>
+            </a:xfrm>
+            <a:prstGeom prst="roundRect">
+              <a:avLst/>
+            </a:prstGeom>
+          </p:spPr>
+          <p:style>
+            <a:lnRef idx="2">
+              <a:schemeClr val="dk1"/>
+            </a:lnRef>
+            <a:fillRef idx="1">
+              <a:schemeClr val="lt1"/>
+            </a:fillRef>
+            <a:effectRef idx="0">
+              <a:schemeClr val="dk1"/>
+            </a:effectRef>
+            <a:fontRef idx="minor">
+              <a:schemeClr val="dk1"/>
+            </a:fontRef>
+          </p:style>
+          <p:txBody>
+            <a:bodyPr wrap="square" lIns="0" tIns="0" rIns="0" bIns="0" rtlCol="0" anchor="ctr">
+              <a:normAutofit fontScale="92500" lnSpcReduction="20000"/>
+            </a:bodyPr>
+            <a:lstStyle/>
+            <a:p>
+              <a:pPr algn="ctr"/>
+              <a:r>
+                <a:rPr lang="en-US" altLang="ko-KR" b="1" dirty="0"/>
+                <a:t>FC Layer</a:t>
+              </a:r>
+            </a:p>
+            <a:p>
+              <a:pPr algn="ctr"/>
+              <a:r>
+                <a:rPr lang="en-US" altLang="ko-KR" dirty="0"/>
+                <a:t>+</a:t>
+              </a:r>
+            </a:p>
+            <a:p>
+              <a:pPr algn="ctr"/>
+              <a:r>
+                <a:rPr lang="en-US" altLang="ko-KR" b="1" dirty="0"/>
+                <a:t>Sigmoid</a:t>
+              </a:r>
+            </a:p>
+            <a:p>
+              <a:pPr algn="ctr"/>
+              <a:r>
+                <a:rPr lang="en-US" altLang="ko-KR" dirty="0"/>
+                <a:t>Activation</a:t>
+              </a:r>
+              <a:endParaRPr lang="ko-KR" altLang="en-US" dirty="0"/>
+            </a:p>
+          </p:txBody>
+        </p:sp>
+        <p:cxnSp>
+          <p:nvCxnSpPr>
+            <p:cNvPr id="48" name="직선 화살표 연결선 47">
+              <a:extLst>
+                <a:ext uri="{FF2B5EF4-FFF2-40B4-BE49-F238E27FC236}">
+                  <a16:creationId xmlns:a16="http://schemas.microsoft.com/office/drawing/2014/main" id="{C811A3E9-BB61-4474-B5C3-EA52DF320B74}"/>
+                </a:ext>
+              </a:extLst>
+            </p:cNvPr>
+            <p:cNvCxnSpPr>
+              <a:cxnSpLocks/>
+              <a:stCxn id="33" idx="3"/>
+              <a:endCxn id="46" idx="1"/>
+            </p:cNvCxnSpPr>
+            <p:nvPr/>
+          </p:nvCxnSpPr>
+          <p:spPr>
+            <a:xfrm flipV="1">
+              <a:off x="21954637" y="3429002"/>
+              <a:ext cx="649136" cy="4967"/>
+            </a:xfrm>
+            <a:prstGeom prst="straightConnector1">
+              <a:avLst/>
+            </a:prstGeom>
+            <a:ln>
+              <a:tailEnd type="triangle"/>
+            </a:ln>
+          </p:spPr>
+          <p:style>
+            <a:lnRef idx="1">
+              <a:schemeClr val="dk1"/>
+            </a:lnRef>
+            <a:fillRef idx="0">
+              <a:schemeClr val="dk1"/>
+            </a:fillRef>
+            <a:effectRef idx="0">
+              <a:schemeClr val="dk1"/>
+            </a:effectRef>
+            <a:fontRef idx="minor">
+              <a:schemeClr val="tx1"/>
+            </a:fontRef>
+          </p:style>
+        </p:cxnSp>
+        <p:sp>
+          <p:nvSpPr>
+            <p:cNvPr id="51" name="TextBox 50">
+              <a:extLst>
+                <a:ext uri="{FF2B5EF4-FFF2-40B4-BE49-F238E27FC236}">
+                  <a16:creationId xmlns:a16="http://schemas.microsoft.com/office/drawing/2014/main" id="{68FA730A-33C8-4013-A55F-A5CF1ECA9E16}"/>
+                </a:ext>
+              </a:extLst>
+            </p:cNvPr>
+            <p:cNvSpPr txBox="1"/>
+            <p:nvPr/>
+          </p:nvSpPr>
+          <p:spPr>
+            <a:xfrm>
+              <a:off x="23199757" y="3918817"/>
+              <a:ext cx="129844" cy="307777"/>
+            </a:xfrm>
+            <a:prstGeom prst="rect">
+              <a:avLst/>
+            </a:prstGeom>
+            <a:noFill/>
+          </p:spPr>
+          <p:txBody>
+            <a:bodyPr wrap="square" lIns="0" tIns="0" rIns="0" bIns="0" rtlCol="0">
+              <a:normAutofit/>
+            </a:bodyPr>
+            <a:lstStyle/>
+            <a:p>
+              <a:r>
+                <a:rPr lang="en-US" altLang="ko-KR" sz="2000" dirty="0"/>
+                <a:t>1</a:t>
+              </a:r>
+              <a:endParaRPr lang="ko-KR" altLang="en-US" sz="2000" dirty="0"/>
+            </a:p>
+          </p:txBody>
+        </p:sp>
+        <p:cxnSp>
+          <p:nvCxnSpPr>
+            <p:cNvPr id="53" name="직선 화살표 연결선 52">
+              <a:extLst>
+                <a:ext uri="{FF2B5EF4-FFF2-40B4-BE49-F238E27FC236}">
+                  <a16:creationId xmlns:a16="http://schemas.microsoft.com/office/drawing/2014/main" id="{89B5E54A-4C2E-4D46-A5FE-43D1C92DB6AE}"/>
+                </a:ext>
+              </a:extLst>
+            </p:cNvPr>
+            <p:cNvCxnSpPr>
+              <a:cxnSpLocks/>
+              <a:stCxn id="46" idx="3"/>
+              <a:endCxn id="54" idx="1"/>
+            </p:cNvCxnSpPr>
+            <p:nvPr/>
+          </p:nvCxnSpPr>
+          <p:spPr>
+            <a:xfrm flipV="1">
+              <a:off x="24243229" y="3428998"/>
+              <a:ext cx="609704" cy="2"/>
+            </a:xfrm>
+            <a:prstGeom prst="straightConnector1">
+              <a:avLst/>
+            </a:prstGeom>
+            <a:ln>
+              <a:tailEnd type="triangle"/>
+            </a:ln>
+          </p:spPr>
+          <p:style>
+            <a:lnRef idx="1">
+              <a:schemeClr val="dk1"/>
+            </a:lnRef>
+            <a:fillRef idx="0">
+              <a:schemeClr val="dk1"/>
+            </a:fillRef>
+            <a:effectRef idx="0">
+              <a:schemeClr val="dk1"/>
+            </a:effectRef>
+            <a:fontRef idx="minor">
+              <a:schemeClr val="tx1"/>
+            </a:fontRef>
+          </p:style>
+        </p:cxnSp>
+        <p:sp>
+          <p:nvSpPr>
+            <p:cNvPr id="54" name="사각형: 둥근 모서리 53">
+              <a:extLst>
+                <a:ext uri="{FF2B5EF4-FFF2-40B4-BE49-F238E27FC236}">
+                  <a16:creationId xmlns:a16="http://schemas.microsoft.com/office/drawing/2014/main" id="{3BE687E1-56DA-4BE8-8865-BBCC11148CEE}"/>
+                </a:ext>
+              </a:extLst>
+            </p:cNvPr>
+            <p:cNvSpPr/>
+            <p:nvPr/>
+          </p:nvSpPr>
+          <p:spPr>
+            <a:xfrm>
+              <a:off x="24852933" y="2944148"/>
+              <a:ext cx="1639456" cy="969700"/>
+            </a:xfrm>
+            <a:prstGeom prst="roundRect">
+              <a:avLst/>
+            </a:prstGeom>
+          </p:spPr>
+          <p:style>
+            <a:lnRef idx="2">
+              <a:schemeClr val="dk1"/>
+            </a:lnRef>
+            <a:fillRef idx="1">
+              <a:schemeClr val="lt1"/>
+            </a:fillRef>
+            <a:effectRef idx="0">
+              <a:schemeClr val="dk1"/>
+            </a:effectRef>
+            <a:fontRef idx="minor">
+              <a:schemeClr val="dk1"/>
+            </a:fontRef>
+          </p:style>
+          <p:txBody>
+            <a:bodyPr wrap="square" lIns="0" tIns="0" rIns="0" bIns="0" rtlCol="0" anchor="ctr">
+              <a:normAutofit/>
+            </a:bodyPr>
+            <a:lstStyle/>
+            <a:p>
+              <a:pPr algn="ctr"/>
+              <a:r>
+                <a:rPr lang="en-US" altLang="ko-KR" b="1" dirty="0"/>
+                <a:t>Bone Age</a:t>
+              </a:r>
+            </a:p>
+            <a:p>
+              <a:pPr algn="ctr"/>
+              <a:r>
+                <a:rPr lang="en-US" altLang="ko-KR" b="1" dirty="0"/>
+                <a:t>Data</a:t>
+              </a:r>
+              <a:r>
+                <a:rPr lang="en-US" altLang="ko-KR" dirty="0"/>
+                <a:t>: Continuous</a:t>
+              </a:r>
+              <a:endParaRPr lang="ko-KR" altLang="en-US" dirty="0"/>
+            </a:p>
+          </p:txBody>
+        </p:sp>
+      </p:grpSp>
     </p:spTree>
     <p:extLst>
       <p:ext uri="{BB962C8B-B14F-4D97-AF65-F5344CB8AC3E}">

--- a/result/Network Architecture.pptx
+++ b/result/Network Architecture.pptx
@@ -2975,10 +2975,10 @@
       </p:grpSpPr>
       <p:grpSp>
         <p:nvGrpSpPr>
-          <p:cNvPr id="2" name="그룹 1">
+          <p:cNvPr id="4" name="그룹 3">
             <a:extLst>
               <a:ext uri="{FF2B5EF4-FFF2-40B4-BE49-F238E27FC236}">
-                <a16:creationId xmlns:a16="http://schemas.microsoft.com/office/drawing/2014/main" id="{2515ACC3-6A77-4AA3-ABC9-D5D4E1531580}"/>
+                <a16:creationId xmlns:a16="http://schemas.microsoft.com/office/drawing/2014/main" id="{B176559F-9762-45F0-8579-BAA209F45F0A}"/>
               </a:ext>
             </a:extLst>
           </p:cNvPr>
@@ -2987,10 +2987,10 @@
         </p:nvGrpSpPr>
         <p:grpSpPr>
           <a:xfrm>
-            <a:off x="10980030" y="433875"/>
-            <a:ext cx="15719725" cy="6025729"/>
-            <a:chOff x="10980030" y="433875"/>
-            <a:chExt cx="15719725" cy="6025729"/>
+            <a:off x="10980030" y="578224"/>
+            <a:ext cx="15719725" cy="5177946"/>
+            <a:chOff x="10980030" y="578224"/>
+            <a:chExt cx="15719725" cy="5177946"/>
           </a:xfrm>
         </p:grpSpPr>
         <p:sp>
@@ -3007,8 +3007,8 @@
           </p:nvSpPr>
           <p:spPr>
             <a:xfrm>
-              <a:off x="24645568" y="469351"/>
-              <a:ext cx="2054187" cy="5990253"/>
+              <a:off x="24645568" y="598188"/>
+              <a:ext cx="2054187" cy="5157981"/>
             </a:xfrm>
             <a:prstGeom prst="roundRect">
               <a:avLst>
@@ -3059,8 +3059,8 @@
           </p:nvSpPr>
           <p:spPr>
             <a:xfrm>
-              <a:off x="13241581" y="433875"/>
-              <a:ext cx="11185961" cy="5990253"/>
+              <a:off x="13241581" y="578224"/>
+              <a:ext cx="11185961" cy="5157981"/>
             </a:xfrm>
             <a:prstGeom prst="roundRect">
               <a:avLst>
@@ -3118,8 +3118,8 @@
           </p:nvSpPr>
           <p:spPr>
             <a:xfrm>
-              <a:off x="10980030" y="433875"/>
-              <a:ext cx="2054186" cy="5990253"/>
+              <a:off x="10980030" y="578224"/>
+              <a:ext cx="2054186" cy="5177946"/>
             </a:xfrm>
             <a:prstGeom prst="roundRect">
               <a:avLst>

--- a/result/Network Architecture.pptx
+++ b/result/Network Architecture.pptx
@@ -243,7 +243,7 @@
           <a:p>
             <a:fld id="{A71E4F2C-2AA1-45DE-B025-B8D9AF7D45E5}" type="datetimeFigureOut">
               <a:rPr lang="ko-KR" altLang="en-US" smtClean="0"/>
-              <a:t>2021-08-02</a:t>
+              <a:t>2021-08-03</a:t>
             </a:fld>
             <a:endParaRPr lang="ko-KR" altLang="en-US"/>
           </a:p>
@@ -413,7 +413,7 @@
           <a:p>
             <a:fld id="{A71E4F2C-2AA1-45DE-B025-B8D9AF7D45E5}" type="datetimeFigureOut">
               <a:rPr lang="ko-KR" altLang="en-US" smtClean="0"/>
-              <a:t>2021-08-02</a:t>
+              <a:t>2021-08-03</a:t>
             </a:fld>
             <a:endParaRPr lang="ko-KR" altLang="en-US"/>
           </a:p>
@@ -593,7 +593,7 @@
           <a:p>
             <a:fld id="{A71E4F2C-2AA1-45DE-B025-B8D9AF7D45E5}" type="datetimeFigureOut">
               <a:rPr lang="ko-KR" altLang="en-US" smtClean="0"/>
-              <a:t>2021-08-02</a:t>
+              <a:t>2021-08-03</a:t>
             </a:fld>
             <a:endParaRPr lang="ko-KR" altLang="en-US"/>
           </a:p>
@@ -763,7 +763,7 @@
           <a:p>
             <a:fld id="{A71E4F2C-2AA1-45DE-B025-B8D9AF7D45E5}" type="datetimeFigureOut">
               <a:rPr lang="ko-KR" altLang="en-US" smtClean="0"/>
-              <a:t>2021-08-02</a:t>
+              <a:t>2021-08-03</a:t>
             </a:fld>
             <a:endParaRPr lang="ko-KR" altLang="en-US"/>
           </a:p>
@@ -1009,7 +1009,7 @@
           <a:p>
             <a:fld id="{A71E4F2C-2AA1-45DE-B025-B8D9AF7D45E5}" type="datetimeFigureOut">
               <a:rPr lang="ko-KR" altLang="en-US" smtClean="0"/>
-              <a:t>2021-08-02</a:t>
+              <a:t>2021-08-03</a:t>
             </a:fld>
             <a:endParaRPr lang="ko-KR" altLang="en-US"/>
           </a:p>
@@ -1241,7 +1241,7 @@
           <a:p>
             <a:fld id="{A71E4F2C-2AA1-45DE-B025-B8D9AF7D45E5}" type="datetimeFigureOut">
               <a:rPr lang="ko-KR" altLang="en-US" smtClean="0"/>
-              <a:t>2021-08-02</a:t>
+              <a:t>2021-08-03</a:t>
             </a:fld>
             <a:endParaRPr lang="ko-KR" altLang="en-US"/>
           </a:p>
@@ -1608,7 +1608,7 @@
           <a:p>
             <a:fld id="{A71E4F2C-2AA1-45DE-B025-B8D9AF7D45E5}" type="datetimeFigureOut">
               <a:rPr lang="ko-KR" altLang="en-US" smtClean="0"/>
-              <a:t>2021-08-02</a:t>
+              <a:t>2021-08-03</a:t>
             </a:fld>
             <a:endParaRPr lang="ko-KR" altLang="en-US"/>
           </a:p>
@@ -1726,7 +1726,7 @@
           <a:p>
             <a:fld id="{A71E4F2C-2AA1-45DE-B025-B8D9AF7D45E5}" type="datetimeFigureOut">
               <a:rPr lang="ko-KR" altLang="en-US" smtClean="0"/>
-              <a:t>2021-08-02</a:t>
+              <a:t>2021-08-03</a:t>
             </a:fld>
             <a:endParaRPr lang="ko-KR" altLang="en-US"/>
           </a:p>
@@ -1821,7 +1821,7 @@
           <a:p>
             <a:fld id="{A71E4F2C-2AA1-45DE-B025-B8D9AF7D45E5}" type="datetimeFigureOut">
               <a:rPr lang="ko-KR" altLang="en-US" smtClean="0"/>
-              <a:t>2021-08-02</a:t>
+              <a:t>2021-08-03</a:t>
             </a:fld>
             <a:endParaRPr lang="ko-KR" altLang="en-US"/>
           </a:p>
@@ -2098,7 +2098,7 @@
           <a:p>
             <a:fld id="{A71E4F2C-2AA1-45DE-B025-B8D9AF7D45E5}" type="datetimeFigureOut">
               <a:rPr lang="ko-KR" altLang="en-US" smtClean="0"/>
-              <a:t>2021-08-02</a:t>
+              <a:t>2021-08-03</a:t>
             </a:fld>
             <a:endParaRPr lang="ko-KR" altLang="en-US"/>
           </a:p>
@@ -2355,7 +2355,7 @@
           <a:p>
             <a:fld id="{A71E4F2C-2AA1-45DE-B025-B8D9AF7D45E5}" type="datetimeFigureOut">
               <a:rPr lang="ko-KR" altLang="en-US" smtClean="0"/>
-              <a:t>2021-08-02</a:t>
+              <a:t>2021-08-03</a:t>
             </a:fld>
             <a:endParaRPr lang="ko-KR" altLang="en-US"/>
           </a:p>
@@ -2568,7 +2568,7 @@
           <a:p>
             <a:fld id="{A71E4F2C-2AA1-45DE-B025-B8D9AF7D45E5}" type="datetimeFigureOut">
               <a:rPr lang="ko-KR" altLang="en-US" smtClean="0"/>
-              <a:t>2021-08-02</a:t>
+              <a:t>2021-08-03</a:t>
             </a:fld>
             <a:endParaRPr lang="ko-KR" altLang="en-US"/>
           </a:p>
@@ -2975,10 +2975,10 @@
       </p:grpSpPr>
       <p:grpSp>
         <p:nvGrpSpPr>
-          <p:cNvPr id="4" name="그룹 3">
+          <p:cNvPr id="2" name="그룹 1">
             <a:extLst>
               <a:ext uri="{FF2B5EF4-FFF2-40B4-BE49-F238E27FC236}">
-                <a16:creationId xmlns:a16="http://schemas.microsoft.com/office/drawing/2014/main" id="{B176559F-9762-45F0-8579-BAA209F45F0A}"/>
+                <a16:creationId xmlns:a16="http://schemas.microsoft.com/office/drawing/2014/main" id="{F6309411-818C-4720-8184-1578F4E3FDD0}"/>
               </a:ext>
             </a:extLst>
           </p:cNvPr>
@@ -2987,10 +2987,10 @@
         </p:nvGrpSpPr>
         <p:grpSpPr>
           <a:xfrm>
-            <a:off x="10980030" y="578224"/>
-            <a:ext cx="15719725" cy="5177946"/>
-            <a:chOff x="10980030" y="578224"/>
-            <a:chExt cx="15719725" cy="5177946"/>
+            <a:off x="10980030" y="558259"/>
+            <a:ext cx="15719725" cy="5197911"/>
+            <a:chOff x="10980030" y="558259"/>
+            <a:chExt cx="15719725" cy="5197911"/>
           </a:xfrm>
         </p:grpSpPr>
         <p:sp>
@@ -3059,8 +3059,8 @@
           </p:nvSpPr>
           <p:spPr>
             <a:xfrm>
-              <a:off x="13241581" y="578224"/>
-              <a:ext cx="11185961" cy="5157981"/>
+              <a:off x="13223334" y="558259"/>
+              <a:ext cx="11214868" cy="5157981"/>
             </a:xfrm>
             <a:prstGeom prst="roundRect">
               <a:avLst>
@@ -3428,7 +3428,9 @@
                 </a:ext>
               </a:extLst>
             </p:cNvPr>
-            <p:cNvCxnSpPr/>
+            <p:cNvCxnSpPr>
+              <a:cxnSpLocks/>
+            </p:cNvCxnSpPr>
             <p:nvPr/>
           </p:nvCxnSpPr>
           <p:spPr>
@@ -3467,7 +3469,9 @@
                 </a:ext>
               </a:extLst>
             </p:cNvPr>
-            <p:cNvCxnSpPr/>
+            <p:cNvCxnSpPr>
+              <a:cxnSpLocks/>
+            </p:cNvCxnSpPr>
             <p:nvPr/>
           </p:nvCxnSpPr>
           <p:spPr>
@@ -3910,8 +3914,8 @@
           </p:nvSpPr>
           <p:spPr>
             <a:xfrm>
-              <a:off x="11368969" y="2343247"/>
-              <a:ext cx="1397302" cy="307777"/>
+              <a:off x="11169147" y="2386881"/>
+              <a:ext cx="1675908" cy="307777"/>
             </a:xfrm>
             <a:prstGeom prst="rect">
               <a:avLst/>
@@ -3924,6 +3928,7 @@
             </a:bodyPr>
             <a:lstStyle/>
             <a:p>
+              <a:pPr algn="ctr"/>
               <a:r>
                 <a:rPr lang="en-US" altLang="ko-KR" sz="2000" dirty="0"/>
                 <a:t>500 x 500 x 1</a:t>
@@ -3946,8 +3951,8 @@
           </p:nvSpPr>
           <p:spPr>
             <a:xfrm>
-              <a:off x="11877257" y="5448392"/>
-              <a:ext cx="129844" cy="307777"/>
+              <a:off x="11831146" y="5448392"/>
+              <a:ext cx="351910" cy="307777"/>
             </a:xfrm>
             <a:prstGeom prst="rect">
               <a:avLst/>
@@ -3960,6 +3965,7 @@
             </a:bodyPr>
             <a:lstStyle/>
             <a:p>
+              <a:pPr algn="ctr"/>
               <a:r>
                 <a:rPr lang="en-US" altLang="ko-KR" sz="2000" dirty="0"/>
                 <a:t>1</a:t>
@@ -3982,8 +3988,8 @@
           </p:nvSpPr>
           <p:spPr>
             <a:xfrm>
-              <a:off x="16309099" y="2379304"/>
-              <a:ext cx="389530" cy="307777"/>
+              <a:off x="16239787" y="2379303"/>
+              <a:ext cx="635876" cy="307777"/>
             </a:xfrm>
             <a:prstGeom prst="rect">
               <a:avLst/>
@@ -3996,6 +4002,7 @@
             </a:bodyPr>
             <a:lstStyle/>
             <a:p>
+              <a:pPr algn="ctr"/>
               <a:r>
                 <a:rPr lang="en-US" altLang="ko-KR" sz="2000" dirty="0"/>
                 <a:t>400</a:t>
@@ -4018,8 +4025,8 @@
           </p:nvSpPr>
           <p:spPr>
             <a:xfrm>
-              <a:off x="14070534" y="5428428"/>
-              <a:ext cx="259686" cy="307777"/>
+              <a:off x="14011284" y="5418446"/>
+              <a:ext cx="422343" cy="307777"/>
             </a:xfrm>
             <a:prstGeom prst="rect">
               <a:avLst/>
@@ -4032,6 +4039,7 @@
             </a:bodyPr>
             <a:lstStyle/>
             <a:p>
+              <a:pPr algn="ctr"/>
               <a:r>
                 <a:rPr lang="en-US" altLang="ko-KR" sz="2000" dirty="0"/>
                 <a:t>16</a:t>
@@ -4054,8 +4062,8 @@
           </p:nvSpPr>
           <p:spPr>
             <a:xfrm>
-              <a:off x="13962770" y="2369322"/>
-              <a:ext cx="519373" cy="307777"/>
+              <a:off x="13841015" y="2379303"/>
+              <a:ext cx="762880" cy="307777"/>
             </a:xfrm>
             <a:prstGeom prst="rect">
               <a:avLst/>
@@ -4068,6 +4076,7 @@
             </a:bodyPr>
             <a:lstStyle/>
             <a:p>
+              <a:pPr algn="ctr"/>
               <a:r>
                 <a:rPr lang="en-US" altLang="ko-KR" sz="2000" dirty="0"/>
                 <a:t>2048</a:t>
@@ -4090,8 +4099,8 @@
           </p:nvSpPr>
           <p:spPr>
             <a:xfrm>
-              <a:off x="18597691" y="5431896"/>
-              <a:ext cx="389530" cy="307777"/>
+              <a:off x="18520266" y="5418445"/>
+              <a:ext cx="639251" cy="307777"/>
             </a:xfrm>
             <a:prstGeom prst="rect">
               <a:avLst/>
@@ -4104,6 +4113,7 @@
             </a:bodyPr>
             <a:lstStyle/>
             <a:p>
+              <a:pPr algn="ctr"/>
               <a:r>
                 <a:rPr lang="en-US" altLang="ko-KR" sz="2000" dirty="0"/>
                 <a:t>416</a:t>
@@ -4126,8 +4136,8 @@
           </p:nvSpPr>
           <p:spPr>
             <a:xfrm>
-              <a:off x="20886283" y="3918817"/>
-              <a:ext cx="389530" cy="307777"/>
+              <a:off x="20686982" y="3913848"/>
+              <a:ext cx="906114" cy="307777"/>
             </a:xfrm>
             <a:prstGeom prst="rect">
               <a:avLst/>
@@ -4140,6 +4150,7 @@
             </a:bodyPr>
             <a:lstStyle/>
             <a:p>
+              <a:pPr algn="ctr"/>
               <a:r>
                 <a:rPr lang="en-US" altLang="ko-KR" sz="2000" dirty="0"/>
                 <a:t>200</a:t>
@@ -4276,8 +4287,8 @@
           </p:nvSpPr>
           <p:spPr>
             <a:xfrm>
-              <a:off x="23199757" y="3918817"/>
-              <a:ext cx="129844" cy="307777"/>
+              <a:off x="23150467" y="3904884"/>
+              <a:ext cx="546068" cy="307777"/>
             </a:xfrm>
             <a:prstGeom prst="rect">
               <a:avLst/>
@@ -4290,6 +4301,7 @@
             </a:bodyPr>
             <a:lstStyle/>
             <a:p>
+              <a:pPr algn="ctr"/>
               <a:r>
                 <a:rPr lang="en-US" altLang="ko-KR" sz="2000" dirty="0"/>
                 <a:t>1</a:t>

--- a/result/Network Architecture.pptx
+++ b/result/Network Architecture.pptx
@@ -243,7 +243,7 @@
           <a:p>
             <a:fld id="{A71E4F2C-2AA1-45DE-B025-B8D9AF7D45E5}" type="datetimeFigureOut">
               <a:rPr lang="ko-KR" altLang="en-US" smtClean="0"/>
-              <a:t>2021-08-03</a:t>
+              <a:t>2021-08-05</a:t>
             </a:fld>
             <a:endParaRPr lang="ko-KR" altLang="en-US"/>
           </a:p>
@@ -413,7 +413,7 @@
           <a:p>
             <a:fld id="{A71E4F2C-2AA1-45DE-B025-B8D9AF7D45E5}" type="datetimeFigureOut">
               <a:rPr lang="ko-KR" altLang="en-US" smtClean="0"/>
-              <a:t>2021-08-03</a:t>
+              <a:t>2021-08-05</a:t>
             </a:fld>
             <a:endParaRPr lang="ko-KR" altLang="en-US"/>
           </a:p>
@@ -593,7 +593,7 @@
           <a:p>
             <a:fld id="{A71E4F2C-2AA1-45DE-B025-B8D9AF7D45E5}" type="datetimeFigureOut">
               <a:rPr lang="ko-KR" altLang="en-US" smtClean="0"/>
-              <a:t>2021-08-03</a:t>
+              <a:t>2021-08-05</a:t>
             </a:fld>
             <a:endParaRPr lang="ko-KR" altLang="en-US"/>
           </a:p>
@@ -763,7 +763,7 @@
           <a:p>
             <a:fld id="{A71E4F2C-2AA1-45DE-B025-B8D9AF7D45E5}" type="datetimeFigureOut">
               <a:rPr lang="ko-KR" altLang="en-US" smtClean="0"/>
-              <a:t>2021-08-03</a:t>
+              <a:t>2021-08-05</a:t>
             </a:fld>
             <a:endParaRPr lang="ko-KR" altLang="en-US"/>
           </a:p>
@@ -1009,7 +1009,7 @@
           <a:p>
             <a:fld id="{A71E4F2C-2AA1-45DE-B025-B8D9AF7D45E5}" type="datetimeFigureOut">
               <a:rPr lang="ko-KR" altLang="en-US" smtClean="0"/>
-              <a:t>2021-08-03</a:t>
+              <a:t>2021-08-05</a:t>
             </a:fld>
             <a:endParaRPr lang="ko-KR" altLang="en-US"/>
           </a:p>
@@ -1241,7 +1241,7 @@
           <a:p>
             <a:fld id="{A71E4F2C-2AA1-45DE-B025-B8D9AF7D45E5}" type="datetimeFigureOut">
               <a:rPr lang="ko-KR" altLang="en-US" smtClean="0"/>
-              <a:t>2021-08-03</a:t>
+              <a:t>2021-08-05</a:t>
             </a:fld>
             <a:endParaRPr lang="ko-KR" altLang="en-US"/>
           </a:p>
@@ -1608,7 +1608,7 @@
           <a:p>
             <a:fld id="{A71E4F2C-2AA1-45DE-B025-B8D9AF7D45E5}" type="datetimeFigureOut">
               <a:rPr lang="ko-KR" altLang="en-US" smtClean="0"/>
-              <a:t>2021-08-03</a:t>
+              <a:t>2021-08-05</a:t>
             </a:fld>
             <a:endParaRPr lang="ko-KR" altLang="en-US"/>
           </a:p>
@@ -1726,7 +1726,7 @@
           <a:p>
             <a:fld id="{A71E4F2C-2AA1-45DE-B025-B8D9AF7D45E5}" type="datetimeFigureOut">
               <a:rPr lang="ko-KR" altLang="en-US" smtClean="0"/>
-              <a:t>2021-08-03</a:t>
+              <a:t>2021-08-05</a:t>
             </a:fld>
             <a:endParaRPr lang="ko-KR" altLang="en-US"/>
           </a:p>
@@ -1821,7 +1821,7 @@
           <a:p>
             <a:fld id="{A71E4F2C-2AA1-45DE-B025-B8D9AF7D45E5}" type="datetimeFigureOut">
               <a:rPr lang="ko-KR" altLang="en-US" smtClean="0"/>
-              <a:t>2021-08-03</a:t>
+              <a:t>2021-08-05</a:t>
             </a:fld>
             <a:endParaRPr lang="ko-KR" altLang="en-US"/>
           </a:p>
@@ -2098,7 +2098,7 @@
           <a:p>
             <a:fld id="{A71E4F2C-2AA1-45DE-B025-B8D9AF7D45E5}" type="datetimeFigureOut">
               <a:rPr lang="ko-KR" altLang="en-US" smtClean="0"/>
-              <a:t>2021-08-03</a:t>
+              <a:t>2021-08-05</a:t>
             </a:fld>
             <a:endParaRPr lang="ko-KR" altLang="en-US"/>
           </a:p>
@@ -2355,7 +2355,7 @@
           <a:p>
             <a:fld id="{A71E4F2C-2AA1-45DE-B025-B8D9AF7D45E5}" type="datetimeFigureOut">
               <a:rPr lang="ko-KR" altLang="en-US" smtClean="0"/>
-              <a:t>2021-08-03</a:t>
+              <a:t>2021-08-05</a:t>
             </a:fld>
             <a:endParaRPr lang="ko-KR" altLang="en-US"/>
           </a:p>
@@ -2568,7 +2568,7 @@
           <a:p>
             <a:fld id="{A71E4F2C-2AA1-45DE-B025-B8D9AF7D45E5}" type="datetimeFigureOut">
               <a:rPr lang="ko-KR" altLang="en-US" smtClean="0"/>
-              <a:t>2021-08-03</a:t>
+              <a:t>2021-08-05</a:t>
             </a:fld>
             <a:endParaRPr lang="ko-KR" altLang="en-US"/>
           </a:p>
@@ -3200,13 +3200,8 @@
               <a:pPr algn="ctr"/>
               <a:r>
                 <a:rPr lang="en-US" altLang="ko-KR" b="1" dirty="0"/>
-                <a:t>SE </a:t>
+                <a:t>EfficientNet-v2</a:t>
               </a:r>
-              <a:r>
-                <a:rPr lang="en-US" altLang="ko-KR" b="1" dirty="0" err="1"/>
-                <a:t>ResNext</a:t>
-              </a:r>
-              <a:endParaRPr lang="en-US" altLang="ko-KR" b="1" dirty="0"/>
             </a:p>
             <a:p>
               <a:pPr algn="ctr"/>
@@ -4079,7 +4074,7 @@
               <a:pPr algn="ctr"/>
               <a:r>
                 <a:rPr lang="en-US" altLang="ko-KR" sz="2000" dirty="0"/>
-                <a:t>2048</a:t>
+                <a:t>1792</a:t>
               </a:r>
               <a:endParaRPr lang="ko-KR" altLang="en-US" sz="2000" dirty="0"/>
             </a:p>

--- a/result/Network Architecture.pptx
+++ b/result/Network Architecture.pptx
@@ -243,7 +243,7 @@
           <a:p>
             <a:fld id="{A71E4F2C-2AA1-45DE-B025-B8D9AF7D45E5}" type="datetimeFigureOut">
               <a:rPr lang="ko-KR" altLang="en-US" smtClean="0"/>
-              <a:t>2021-08-05</a:t>
+              <a:t>2021-08-12</a:t>
             </a:fld>
             <a:endParaRPr lang="ko-KR" altLang="en-US"/>
           </a:p>
@@ -413,7 +413,7 @@
           <a:p>
             <a:fld id="{A71E4F2C-2AA1-45DE-B025-B8D9AF7D45E5}" type="datetimeFigureOut">
               <a:rPr lang="ko-KR" altLang="en-US" smtClean="0"/>
-              <a:t>2021-08-05</a:t>
+              <a:t>2021-08-12</a:t>
             </a:fld>
             <a:endParaRPr lang="ko-KR" altLang="en-US"/>
           </a:p>
@@ -593,7 +593,7 @@
           <a:p>
             <a:fld id="{A71E4F2C-2AA1-45DE-B025-B8D9AF7D45E5}" type="datetimeFigureOut">
               <a:rPr lang="ko-KR" altLang="en-US" smtClean="0"/>
-              <a:t>2021-08-05</a:t>
+              <a:t>2021-08-12</a:t>
             </a:fld>
             <a:endParaRPr lang="ko-KR" altLang="en-US"/>
           </a:p>
@@ -763,7 +763,7 @@
           <a:p>
             <a:fld id="{A71E4F2C-2AA1-45DE-B025-B8D9AF7D45E5}" type="datetimeFigureOut">
               <a:rPr lang="ko-KR" altLang="en-US" smtClean="0"/>
-              <a:t>2021-08-05</a:t>
+              <a:t>2021-08-12</a:t>
             </a:fld>
             <a:endParaRPr lang="ko-KR" altLang="en-US"/>
           </a:p>
@@ -1009,7 +1009,7 @@
           <a:p>
             <a:fld id="{A71E4F2C-2AA1-45DE-B025-B8D9AF7D45E5}" type="datetimeFigureOut">
               <a:rPr lang="ko-KR" altLang="en-US" smtClean="0"/>
-              <a:t>2021-08-05</a:t>
+              <a:t>2021-08-12</a:t>
             </a:fld>
             <a:endParaRPr lang="ko-KR" altLang="en-US"/>
           </a:p>
@@ -1241,7 +1241,7 @@
           <a:p>
             <a:fld id="{A71E4F2C-2AA1-45DE-B025-B8D9AF7D45E5}" type="datetimeFigureOut">
               <a:rPr lang="ko-KR" altLang="en-US" smtClean="0"/>
-              <a:t>2021-08-05</a:t>
+              <a:t>2021-08-12</a:t>
             </a:fld>
             <a:endParaRPr lang="ko-KR" altLang="en-US"/>
           </a:p>
@@ -1608,7 +1608,7 @@
           <a:p>
             <a:fld id="{A71E4F2C-2AA1-45DE-B025-B8D9AF7D45E5}" type="datetimeFigureOut">
               <a:rPr lang="ko-KR" altLang="en-US" smtClean="0"/>
-              <a:t>2021-08-05</a:t>
+              <a:t>2021-08-12</a:t>
             </a:fld>
             <a:endParaRPr lang="ko-KR" altLang="en-US"/>
           </a:p>
@@ -1726,7 +1726,7 @@
           <a:p>
             <a:fld id="{A71E4F2C-2AA1-45DE-B025-B8D9AF7D45E5}" type="datetimeFigureOut">
               <a:rPr lang="ko-KR" altLang="en-US" smtClean="0"/>
-              <a:t>2021-08-05</a:t>
+              <a:t>2021-08-12</a:t>
             </a:fld>
             <a:endParaRPr lang="ko-KR" altLang="en-US"/>
           </a:p>
@@ -1821,7 +1821,7 @@
           <a:p>
             <a:fld id="{A71E4F2C-2AA1-45DE-B025-B8D9AF7D45E5}" type="datetimeFigureOut">
               <a:rPr lang="ko-KR" altLang="en-US" smtClean="0"/>
-              <a:t>2021-08-05</a:t>
+              <a:t>2021-08-12</a:t>
             </a:fld>
             <a:endParaRPr lang="ko-KR" altLang="en-US"/>
           </a:p>
@@ -2098,7 +2098,7 @@
           <a:p>
             <a:fld id="{A71E4F2C-2AA1-45DE-B025-B8D9AF7D45E5}" type="datetimeFigureOut">
               <a:rPr lang="ko-KR" altLang="en-US" smtClean="0"/>
-              <a:t>2021-08-05</a:t>
+              <a:t>2021-08-12</a:t>
             </a:fld>
             <a:endParaRPr lang="ko-KR" altLang="en-US"/>
           </a:p>
@@ -2355,7 +2355,7 @@
           <a:p>
             <a:fld id="{A71E4F2C-2AA1-45DE-B025-B8D9AF7D45E5}" type="datetimeFigureOut">
               <a:rPr lang="ko-KR" altLang="en-US" smtClean="0"/>
-              <a:t>2021-08-05</a:t>
+              <a:t>2021-08-12</a:t>
             </a:fld>
             <a:endParaRPr lang="ko-KR" altLang="en-US"/>
           </a:p>
@@ -2568,7 +2568,7 @@
           <a:p>
             <a:fld id="{A71E4F2C-2AA1-45DE-B025-B8D9AF7D45E5}" type="datetimeFigureOut">
               <a:rPr lang="ko-KR" altLang="en-US" smtClean="0"/>
-              <a:t>2021-08-05</a:t>
+              <a:t>2021-08-12</a:t>
             </a:fld>
             <a:endParaRPr lang="ko-KR" altLang="en-US"/>
           </a:p>
@@ -3193,7 +3193,7 @@
           </p:style>
           <p:txBody>
             <a:bodyPr wrap="square" lIns="0" tIns="0" rIns="0" bIns="0" rtlCol="0" anchor="ctr">
-              <a:normAutofit/>
+              <a:normAutofit fontScale="92500" lnSpcReduction="20000"/>
             </a:bodyPr>
             <a:lstStyle/>
             <a:p>
@@ -3201,6 +3201,13 @@
               <a:r>
                 <a:rPr lang="en-US" altLang="ko-KR" b="1" dirty="0"/>
                 <a:t>EfficientNet-v2</a:t>
+              </a:r>
+            </a:p>
+            <a:p>
+              <a:pPr algn="ctr"/>
+              <a:r>
+                <a:rPr lang="en-US" altLang="ko-KR" b="1" dirty="0"/>
+                <a:t>M</a:t>
               </a:r>
             </a:p>
             <a:p>
@@ -4074,7 +4081,7 @@
               <a:pPr algn="ctr"/>
               <a:r>
                 <a:rPr lang="en-US" altLang="ko-KR" sz="2000" dirty="0"/>
-                <a:t>1792</a:t>
+                <a:t>1280</a:t>
               </a:r>
               <a:endParaRPr lang="ko-KR" altLang="en-US" sz="2000" dirty="0"/>
             </a:p>

--- a/result/Network Architecture.pptx
+++ b/result/Network Architecture.pptx
@@ -243,7 +243,7 @@
           <a:p>
             <a:fld id="{A71E4F2C-2AA1-45DE-B025-B8D9AF7D45E5}" type="datetimeFigureOut">
               <a:rPr lang="ko-KR" altLang="en-US" smtClean="0"/>
-              <a:t>2021-08-12</a:t>
+              <a:t>2021-08-26</a:t>
             </a:fld>
             <a:endParaRPr lang="ko-KR" altLang="en-US"/>
           </a:p>
@@ -413,7 +413,7 @@
           <a:p>
             <a:fld id="{A71E4F2C-2AA1-45DE-B025-B8D9AF7D45E5}" type="datetimeFigureOut">
               <a:rPr lang="ko-KR" altLang="en-US" smtClean="0"/>
-              <a:t>2021-08-12</a:t>
+              <a:t>2021-08-26</a:t>
             </a:fld>
             <a:endParaRPr lang="ko-KR" altLang="en-US"/>
           </a:p>
@@ -593,7 +593,7 @@
           <a:p>
             <a:fld id="{A71E4F2C-2AA1-45DE-B025-B8D9AF7D45E5}" type="datetimeFigureOut">
               <a:rPr lang="ko-KR" altLang="en-US" smtClean="0"/>
-              <a:t>2021-08-12</a:t>
+              <a:t>2021-08-26</a:t>
             </a:fld>
             <a:endParaRPr lang="ko-KR" altLang="en-US"/>
           </a:p>
@@ -763,7 +763,7 @@
           <a:p>
             <a:fld id="{A71E4F2C-2AA1-45DE-B025-B8D9AF7D45E5}" type="datetimeFigureOut">
               <a:rPr lang="ko-KR" altLang="en-US" smtClean="0"/>
-              <a:t>2021-08-12</a:t>
+              <a:t>2021-08-26</a:t>
             </a:fld>
             <a:endParaRPr lang="ko-KR" altLang="en-US"/>
           </a:p>
@@ -1009,7 +1009,7 @@
           <a:p>
             <a:fld id="{A71E4F2C-2AA1-45DE-B025-B8D9AF7D45E5}" type="datetimeFigureOut">
               <a:rPr lang="ko-KR" altLang="en-US" smtClean="0"/>
-              <a:t>2021-08-12</a:t>
+              <a:t>2021-08-26</a:t>
             </a:fld>
             <a:endParaRPr lang="ko-KR" altLang="en-US"/>
           </a:p>
@@ -1241,7 +1241,7 @@
           <a:p>
             <a:fld id="{A71E4F2C-2AA1-45DE-B025-B8D9AF7D45E5}" type="datetimeFigureOut">
               <a:rPr lang="ko-KR" altLang="en-US" smtClean="0"/>
-              <a:t>2021-08-12</a:t>
+              <a:t>2021-08-26</a:t>
             </a:fld>
             <a:endParaRPr lang="ko-KR" altLang="en-US"/>
           </a:p>
@@ -1608,7 +1608,7 @@
           <a:p>
             <a:fld id="{A71E4F2C-2AA1-45DE-B025-B8D9AF7D45E5}" type="datetimeFigureOut">
               <a:rPr lang="ko-KR" altLang="en-US" smtClean="0"/>
-              <a:t>2021-08-12</a:t>
+              <a:t>2021-08-26</a:t>
             </a:fld>
             <a:endParaRPr lang="ko-KR" altLang="en-US"/>
           </a:p>
@@ -1726,7 +1726,7 @@
           <a:p>
             <a:fld id="{A71E4F2C-2AA1-45DE-B025-B8D9AF7D45E5}" type="datetimeFigureOut">
               <a:rPr lang="ko-KR" altLang="en-US" smtClean="0"/>
-              <a:t>2021-08-12</a:t>
+              <a:t>2021-08-26</a:t>
             </a:fld>
             <a:endParaRPr lang="ko-KR" altLang="en-US"/>
           </a:p>
@@ -1821,7 +1821,7 @@
           <a:p>
             <a:fld id="{A71E4F2C-2AA1-45DE-B025-B8D9AF7D45E5}" type="datetimeFigureOut">
               <a:rPr lang="ko-KR" altLang="en-US" smtClean="0"/>
-              <a:t>2021-08-12</a:t>
+              <a:t>2021-08-26</a:t>
             </a:fld>
             <a:endParaRPr lang="ko-KR" altLang="en-US"/>
           </a:p>
@@ -2098,7 +2098,7 @@
           <a:p>
             <a:fld id="{A71E4F2C-2AA1-45DE-B025-B8D9AF7D45E5}" type="datetimeFigureOut">
               <a:rPr lang="ko-KR" altLang="en-US" smtClean="0"/>
-              <a:t>2021-08-12</a:t>
+              <a:t>2021-08-26</a:t>
             </a:fld>
             <a:endParaRPr lang="ko-KR" altLang="en-US"/>
           </a:p>
@@ -2355,7 +2355,7 @@
           <a:p>
             <a:fld id="{A71E4F2C-2AA1-45DE-B025-B8D9AF7D45E5}" type="datetimeFigureOut">
               <a:rPr lang="ko-KR" altLang="en-US" smtClean="0"/>
-              <a:t>2021-08-12</a:t>
+              <a:t>2021-08-26</a:t>
             </a:fld>
             <a:endParaRPr lang="ko-KR" altLang="en-US"/>
           </a:p>
@@ -2568,7 +2568,7 @@
           <a:p>
             <a:fld id="{A71E4F2C-2AA1-45DE-B025-B8D9AF7D45E5}" type="datetimeFigureOut">
               <a:rPr lang="ko-KR" altLang="en-US" smtClean="0"/>
-              <a:t>2021-08-12</a:t>
+              <a:t>2021-08-26</a:t>
             </a:fld>
             <a:endParaRPr lang="ko-KR" altLang="en-US"/>
           </a:p>
@@ -3407,7 +3407,7 @@
               <a:pPr algn="ctr"/>
               <a:r>
                 <a:rPr lang="en-US" altLang="ko-KR" b="1" dirty="0" err="1"/>
-                <a:t>ReLU</a:t>
+                <a:t>SiLU</a:t>
               </a:r>
               <a:endParaRPr lang="en-US" altLang="ko-KR" b="1" dirty="0"/>
             </a:p>
@@ -3503,78 +3503,6 @@
             </a:fontRef>
           </p:style>
         </p:cxnSp>
-        <p:sp>
-          <p:nvSpPr>
-            <p:cNvPr id="23" name="사각형: 둥근 모서리 22">
-              <a:extLst>
-                <a:ext uri="{FF2B5EF4-FFF2-40B4-BE49-F238E27FC236}">
-                  <a16:creationId xmlns:a16="http://schemas.microsoft.com/office/drawing/2014/main" id="{1032ED5C-6837-41F6-9B80-B9F12A7454F5}"/>
-                </a:ext>
-              </a:extLst>
-            </p:cNvPr>
-            <p:cNvSpPr/>
-            <p:nvPr/>
-          </p:nvSpPr>
-          <p:spPr>
-            <a:xfrm>
-              <a:off x="15737997" y="1409604"/>
-              <a:ext cx="1639456" cy="969700"/>
-            </a:xfrm>
-            <a:prstGeom prst="roundRect">
-              <a:avLst/>
-            </a:prstGeom>
-          </p:spPr>
-          <p:style>
-            <a:lnRef idx="2">
-              <a:schemeClr val="dk1"/>
-            </a:lnRef>
-            <a:fillRef idx="1">
-              <a:schemeClr val="lt1"/>
-            </a:fillRef>
-            <a:effectRef idx="0">
-              <a:schemeClr val="dk1"/>
-            </a:effectRef>
-            <a:fontRef idx="minor">
-              <a:schemeClr val="dk1"/>
-            </a:fontRef>
-          </p:style>
-          <p:txBody>
-            <a:bodyPr wrap="square" lIns="0" tIns="0" rIns="0" bIns="0" rtlCol="0" anchor="ctr">
-              <a:normAutofit fontScale="92500" lnSpcReduction="20000"/>
-            </a:bodyPr>
-            <a:lstStyle/>
-            <a:p>
-              <a:pPr algn="ctr"/>
-              <a:r>
-                <a:rPr lang="en-US" altLang="ko-KR" b="1" dirty="0"/>
-                <a:t>FC Layer</a:t>
-              </a:r>
-            </a:p>
-            <a:p>
-              <a:pPr algn="ctr"/>
-              <a:r>
-                <a:rPr lang="en-US" altLang="ko-KR" dirty="0"/>
-                <a:t>+</a:t>
-              </a:r>
-            </a:p>
-            <a:p>
-              <a:pPr algn="ctr"/>
-              <a:r>
-                <a:rPr lang="en-US" altLang="ko-KR" b="1" dirty="0" err="1"/>
-                <a:t>ReLU</a:t>
-              </a:r>
-              <a:endParaRPr lang="en-US" altLang="ko-KR" b="1" dirty="0"/>
-            </a:p>
-            <a:p>
-              <a:pPr algn="ctr"/>
-              <a:r>
-                <a:rPr lang="en-US" altLang="ko-KR" dirty="0"/>
-                <a:t>Activation</a:t>
-              </a:r>
-              <a:endParaRPr lang="ko-KR" altLang="en-US" dirty="0"/>
-            </a:p>
-          </p:txBody>
-        </p:sp>
         <p:cxnSp>
           <p:nvCxnSpPr>
             <p:cNvPr id="25" name="직선 화살표 연결선 24">
@@ -3585,15 +3513,15 @@
               </a:extLst>
             </p:cNvPr>
             <p:cNvCxnSpPr>
+              <a:cxnSpLocks/>
               <a:stCxn id="5" idx="3"/>
-              <a:endCxn id="23" idx="1"/>
             </p:cNvCxnSpPr>
             <p:nvPr/>
           </p:nvCxnSpPr>
           <p:spPr>
             <a:xfrm>
               <a:off x="15088861" y="1894454"/>
-              <a:ext cx="649136" cy="0"/>
+              <a:ext cx="2937728" cy="0"/>
             </a:xfrm>
             <a:prstGeom prst="straightConnector1">
               <a:avLst/>
@@ -3689,7 +3617,7 @@
               <a:pPr algn="ctr"/>
               <a:r>
                 <a:rPr lang="en-US" altLang="ko-KR" b="1" dirty="0" err="1"/>
-                <a:t>ReLU</a:t>
+                <a:t>SiLU</a:t>
               </a:r>
               <a:endParaRPr lang="en-US" altLang="ko-KR" b="1" dirty="0"/>
             </a:p>
@@ -3703,48 +3631,6 @@
             </a:p>
           </p:txBody>
         </p:sp>
-        <p:cxnSp>
-          <p:nvCxnSpPr>
-            <p:cNvPr id="27" name="직선 화살표 연결선 26">
-              <a:extLst>
-                <a:ext uri="{FF2B5EF4-FFF2-40B4-BE49-F238E27FC236}">
-                  <a16:creationId xmlns:a16="http://schemas.microsoft.com/office/drawing/2014/main" id="{436399CE-EFDC-4359-A7FD-86E521611967}"/>
-                </a:ext>
-              </a:extLst>
-            </p:cNvPr>
-            <p:cNvCxnSpPr>
-              <a:cxnSpLocks/>
-              <a:stCxn id="23" idx="3"/>
-            </p:cNvCxnSpPr>
-            <p:nvPr/>
-          </p:nvCxnSpPr>
-          <p:spPr>
-            <a:xfrm>
-              <a:off x="17377454" y="1894454"/>
-              <a:ext cx="649136" cy="0"/>
-            </a:xfrm>
-            <a:prstGeom prst="straightConnector1">
-              <a:avLst/>
-            </a:prstGeom>
-            <a:ln>
-              <a:tailEnd type="triangle"/>
-            </a:ln>
-          </p:spPr>
-          <p:style>
-            <a:lnRef idx="1">
-              <a:schemeClr val="dk1"/>
-            </a:lnRef>
-            <a:fillRef idx="0">
-              <a:schemeClr val="dk1"/>
-            </a:fillRef>
-            <a:effectRef idx="0">
-              <a:schemeClr val="dk1"/>
-            </a:effectRef>
-            <a:fontRef idx="minor">
-              <a:schemeClr val="tx1"/>
-            </a:fontRef>
-          </p:style>
-        </p:cxnSp>
         <p:cxnSp>
           <p:nvCxnSpPr>
             <p:cNvPr id="30" name="직선 화살표 연결선 29">
@@ -3845,7 +3731,7 @@
               <a:pPr algn="ctr"/>
               <a:r>
                 <a:rPr lang="en-US" altLang="ko-KR" b="1" dirty="0" err="1"/>
-                <a:t>ReLU</a:t>
+                <a:t>SiLU</a:t>
               </a:r>
               <a:endParaRPr lang="en-US" altLang="ko-KR" b="1" dirty="0"/>
             </a:p>
@@ -3978,43 +3864,6 @@
         </p:sp>
         <p:sp>
           <p:nvSpPr>
-            <p:cNvPr id="39" name="TextBox 38">
-              <a:extLst>
-                <a:ext uri="{FF2B5EF4-FFF2-40B4-BE49-F238E27FC236}">
-                  <a16:creationId xmlns:a16="http://schemas.microsoft.com/office/drawing/2014/main" id="{1AC89CC8-320B-4D75-8783-7481AB7F4D85}"/>
-                </a:ext>
-              </a:extLst>
-            </p:cNvPr>
-            <p:cNvSpPr txBox="1"/>
-            <p:nvPr/>
-          </p:nvSpPr>
-          <p:spPr>
-            <a:xfrm>
-              <a:off x="16239787" y="2379303"/>
-              <a:ext cx="635876" cy="307777"/>
-            </a:xfrm>
-            <a:prstGeom prst="rect">
-              <a:avLst/>
-            </a:prstGeom>
-            <a:noFill/>
-          </p:spPr>
-          <p:txBody>
-            <a:bodyPr wrap="square" lIns="0" tIns="0" rIns="0" bIns="0" rtlCol="0">
-              <a:normAutofit/>
-            </a:bodyPr>
-            <a:lstStyle/>
-            <a:p>
-              <a:pPr algn="ctr"/>
-              <a:r>
-                <a:rPr lang="en-US" altLang="ko-KR" sz="2000" dirty="0"/>
-                <a:t>400</a:t>
-              </a:r>
-              <a:endParaRPr lang="ko-KR" altLang="en-US" sz="2000" dirty="0"/>
-            </a:p>
-          </p:txBody>
-        </p:sp>
-        <p:sp>
-          <p:nvSpPr>
             <p:cNvPr id="42" name="TextBox 41">
               <a:extLst>
                 <a:ext uri="{FF2B5EF4-FFF2-40B4-BE49-F238E27FC236}">
@@ -4081,7 +3930,7 @@
               <a:pPr algn="ctr"/>
               <a:r>
                 <a:rPr lang="en-US" altLang="ko-KR" sz="2000" dirty="0"/>
-                <a:t>1280</a:t>
+                <a:t>5120</a:t>
               </a:r>
               <a:endParaRPr lang="ko-KR" altLang="en-US" sz="2000" dirty="0"/>
             </a:p>
@@ -4118,7 +3967,7 @@
               <a:pPr algn="ctr"/>
               <a:r>
                 <a:rPr lang="en-US" altLang="ko-KR" sz="2000" dirty="0"/>
-                <a:t>416</a:t>
+                <a:t>5136</a:t>
               </a:r>
               <a:endParaRPr lang="ko-KR" altLang="en-US" sz="2000" dirty="0"/>
             </a:p>
@@ -4155,7 +4004,7 @@
               <a:pPr algn="ctr"/>
               <a:r>
                 <a:rPr lang="en-US" altLang="ko-KR" sz="2000" dirty="0"/>
-                <a:t>200</a:t>
+                <a:t>1000</a:t>
               </a:r>
               <a:endParaRPr lang="ko-KR" altLang="en-US" sz="2000" dirty="0"/>
             </a:p>
@@ -4198,7 +4047,7 @@
           </p:style>
           <p:txBody>
             <a:bodyPr wrap="square" lIns="0" tIns="0" rIns="0" bIns="0" rtlCol="0" anchor="ctr">
-              <a:normAutofit fontScale="92500" lnSpcReduction="20000"/>
+              <a:normAutofit/>
             </a:bodyPr>
             <a:lstStyle/>
             <a:p>
@@ -4207,28 +4056,6 @@
                 <a:rPr lang="en-US" altLang="ko-KR" b="1" dirty="0"/>
                 <a:t>FC Layer</a:t>
               </a:r>
-            </a:p>
-            <a:p>
-              <a:pPr algn="ctr"/>
-              <a:r>
-                <a:rPr lang="en-US" altLang="ko-KR" dirty="0"/>
-                <a:t>+</a:t>
-              </a:r>
-            </a:p>
-            <a:p>
-              <a:pPr algn="ctr"/>
-              <a:r>
-                <a:rPr lang="en-US" altLang="ko-KR" b="1" dirty="0"/>
-                <a:t>Sigmoid</a:t>
-              </a:r>
-            </a:p>
-            <a:p>
-              <a:pPr algn="ctr"/>
-              <a:r>
-                <a:rPr lang="en-US" altLang="ko-KR" dirty="0"/>
-                <a:t>Activation</a:t>
-              </a:r>
-              <a:endParaRPr lang="ko-KR" altLang="en-US" dirty="0"/>
             </a:p>
           </p:txBody>
         </p:sp>
@@ -4306,7 +4133,7 @@
               <a:pPr algn="ctr"/>
               <a:r>
                 <a:rPr lang="en-US" altLang="ko-KR" sz="2000" dirty="0"/>
-                <a:t>1</a:t>
+                <a:t>1000</a:t>
               </a:r>
               <a:endParaRPr lang="ko-KR" altLang="en-US" sz="2000" dirty="0"/>
             </a:p>
@@ -4417,6 +4244,43 @@
           </p:txBody>
         </p:sp>
       </p:grpSp>
+      <p:sp>
+        <p:nvSpPr>
+          <p:cNvPr id="36" name="TextBox 35">
+            <a:extLst>
+              <a:ext uri="{FF2B5EF4-FFF2-40B4-BE49-F238E27FC236}">
+                <a16:creationId xmlns:a16="http://schemas.microsoft.com/office/drawing/2014/main" id="{715EADA0-3358-48A6-86F1-736174171BB9}"/>
+              </a:ext>
+            </a:extLst>
+          </p:cNvPr>
+          <p:cNvSpPr txBox="1"/>
+          <p:nvPr/>
+        </p:nvSpPr>
+        <p:spPr>
+          <a:xfrm>
+            <a:off x="25399627" y="3904883"/>
+            <a:ext cx="546068" cy="307777"/>
+          </a:xfrm>
+          <a:prstGeom prst="rect">
+            <a:avLst/>
+          </a:prstGeom>
+          <a:noFill/>
+        </p:spPr>
+        <p:txBody>
+          <a:bodyPr wrap="square" lIns="0" tIns="0" rIns="0" bIns="0" rtlCol="0">
+            <a:normAutofit/>
+          </a:bodyPr>
+          <a:lstStyle/>
+          <a:p>
+            <a:pPr algn="ctr"/>
+            <a:r>
+              <a:rPr lang="en-US" altLang="ko-KR" sz="2000" dirty="0"/>
+              <a:t>1</a:t>
+            </a:r>
+            <a:endParaRPr lang="ko-KR" altLang="en-US" sz="2000" dirty="0"/>
+          </a:p>
+        </p:txBody>
+      </p:sp>
     </p:spTree>
     <p:extLst>
       <p:ext uri="{BB962C8B-B14F-4D97-AF65-F5344CB8AC3E}">

--- a/result/Network Architecture.pptx
+++ b/result/Network Architecture.pptx
@@ -243,7 +243,7 @@
           <a:p>
             <a:fld id="{A71E4F2C-2AA1-45DE-B025-B8D9AF7D45E5}" type="datetimeFigureOut">
               <a:rPr lang="ko-KR" altLang="en-US" smtClean="0"/>
-              <a:t>2021-08-26</a:t>
+              <a:t>2021-09-02</a:t>
             </a:fld>
             <a:endParaRPr lang="ko-KR" altLang="en-US"/>
           </a:p>
@@ -413,7 +413,7 @@
           <a:p>
             <a:fld id="{A71E4F2C-2AA1-45DE-B025-B8D9AF7D45E5}" type="datetimeFigureOut">
               <a:rPr lang="ko-KR" altLang="en-US" smtClean="0"/>
-              <a:t>2021-08-26</a:t>
+              <a:t>2021-09-02</a:t>
             </a:fld>
             <a:endParaRPr lang="ko-KR" altLang="en-US"/>
           </a:p>
@@ -593,7 +593,7 @@
           <a:p>
             <a:fld id="{A71E4F2C-2AA1-45DE-B025-B8D9AF7D45E5}" type="datetimeFigureOut">
               <a:rPr lang="ko-KR" altLang="en-US" smtClean="0"/>
-              <a:t>2021-08-26</a:t>
+              <a:t>2021-09-02</a:t>
             </a:fld>
             <a:endParaRPr lang="ko-KR" altLang="en-US"/>
           </a:p>
@@ -763,7 +763,7 @@
           <a:p>
             <a:fld id="{A71E4F2C-2AA1-45DE-B025-B8D9AF7D45E5}" type="datetimeFigureOut">
               <a:rPr lang="ko-KR" altLang="en-US" smtClean="0"/>
-              <a:t>2021-08-26</a:t>
+              <a:t>2021-09-02</a:t>
             </a:fld>
             <a:endParaRPr lang="ko-KR" altLang="en-US"/>
           </a:p>
@@ -1009,7 +1009,7 @@
           <a:p>
             <a:fld id="{A71E4F2C-2AA1-45DE-B025-B8D9AF7D45E5}" type="datetimeFigureOut">
               <a:rPr lang="ko-KR" altLang="en-US" smtClean="0"/>
-              <a:t>2021-08-26</a:t>
+              <a:t>2021-09-02</a:t>
             </a:fld>
             <a:endParaRPr lang="ko-KR" altLang="en-US"/>
           </a:p>
@@ -1241,7 +1241,7 @@
           <a:p>
             <a:fld id="{A71E4F2C-2AA1-45DE-B025-B8D9AF7D45E5}" type="datetimeFigureOut">
               <a:rPr lang="ko-KR" altLang="en-US" smtClean="0"/>
-              <a:t>2021-08-26</a:t>
+              <a:t>2021-09-02</a:t>
             </a:fld>
             <a:endParaRPr lang="ko-KR" altLang="en-US"/>
           </a:p>
@@ -1608,7 +1608,7 @@
           <a:p>
             <a:fld id="{A71E4F2C-2AA1-45DE-B025-B8D9AF7D45E5}" type="datetimeFigureOut">
               <a:rPr lang="ko-KR" altLang="en-US" smtClean="0"/>
-              <a:t>2021-08-26</a:t>
+              <a:t>2021-09-02</a:t>
             </a:fld>
             <a:endParaRPr lang="ko-KR" altLang="en-US"/>
           </a:p>
@@ -1726,7 +1726,7 @@
           <a:p>
             <a:fld id="{A71E4F2C-2AA1-45DE-B025-B8D9AF7D45E5}" type="datetimeFigureOut">
               <a:rPr lang="ko-KR" altLang="en-US" smtClean="0"/>
-              <a:t>2021-08-26</a:t>
+              <a:t>2021-09-02</a:t>
             </a:fld>
             <a:endParaRPr lang="ko-KR" altLang="en-US"/>
           </a:p>
@@ -1821,7 +1821,7 @@
           <a:p>
             <a:fld id="{A71E4F2C-2AA1-45DE-B025-B8D9AF7D45E5}" type="datetimeFigureOut">
               <a:rPr lang="ko-KR" altLang="en-US" smtClean="0"/>
-              <a:t>2021-08-26</a:t>
+              <a:t>2021-09-02</a:t>
             </a:fld>
             <a:endParaRPr lang="ko-KR" altLang="en-US"/>
           </a:p>
@@ -2098,7 +2098,7 @@
           <a:p>
             <a:fld id="{A71E4F2C-2AA1-45DE-B025-B8D9AF7D45E5}" type="datetimeFigureOut">
               <a:rPr lang="ko-KR" altLang="en-US" smtClean="0"/>
-              <a:t>2021-08-26</a:t>
+              <a:t>2021-09-02</a:t>
             </a:fld>
             <a:endParaRPr lang="ko-KR" altLang="en-US"/>
           </a:p>
@@ -2355,7 +2355,7 @@
           <a:p>
             <a:fld id="{A71E4F2C-2AA1-45DE-B025-B8D9AF7D45E5}" type="datetimeFigureOut">
               <a:rPr lang="ko-KR" altLang="en-US" smtClean="0"/>
-              <a:t>2021-08-26</a:t>
+              <a:t>2021-09-02</a:t>
             </a:fld>
             <a:endParaRPr lang="ko-KR" altLang="en-US"/>
           </a:p>
@@ -2568,7 +2568,7 @@
           <a:p>
             <a:fld id="{A71E4F2C-2AA1-45DE-B025-B8D9AF7D45E5}" type="datetimeFigureOut">
               <a:rPr lang="ko-KR" altLang="en-US" smtClean="0"/>
-              <a:t>2021-08-26</a:t>
+              <a:t>2021-09-02</a:t>
             </a:fld>
             <a:endParaRPr lang="ko-KR" altLang="en-US"/>
           </a:p>
@@ -4102,43 +4102,6 @@
             </a:fontRef>
           </p:style>
         </p:cxnSp>
-        <p:sp>
-          <p:nvSpPr>
-            <p:cNvPr id="51" name="TextBox 50">
-              <a:extLst>
-                <a:ext uri="{FF2B5EF4-FFF2-40B4-BE49-F238E27FC236}">
-                  <a16:creationId xmlns:a16="http://schemas.microsoft.com/office/drawing/2014/main" id="{68FA730A-33C8-4013-A55F-A5CF1ECA9E16}"/>
-                </a:ext>
-              </a:extLst>
-            </p:cNvPr>
-            <p:cNvSpPr txBox="1"/>
-            <p:nvPr/>
-          </p:nvSpPr>
-          <p:spPr>
-            <a:xfrm>
-              <a:off x="23150467" y="3904884"/>
-              <a:ext cx="546068" cy="307777"/>
-            </a:xfrm>
-            <a:prstGeom prst="rect">
-              <a:avLst/>
-            </a:prstGeom>
-            <a:noFill/>
-          </p:spPr>
-          <p:txBody>
-            <a:bodyPr wrap="square" lIns="0" tIns="0" rIns="0" bIns="0" rtlCol="0">
-              <a:normAutofit/>
-            </a:bodyPr>
-            <a:lstStyle/>
-            <a:p>
-              <a:pPr algn="ctr"/>
-              <a:r>
-                <a:rPr lang="en-US" altLang="ko-KR" sz="2000" dirty="0"/>
-                <a:t>1000</a:t>
-              </a:r>
-              <a:endParaRPr lang="ko-KR" altLang="en-US" sz="2000" dirty="0"/>
-            </a:p>
-          </p:txBody>
-        </p:sp>
         <p:cxnSp>
           <p:nvCxnSpPr>
             <p:cNvPr id="53" name="직선 화살표 연결선 52">
@@ -4278,6 +4241,241 @@
               <a:t>1</a:t>
             </a:r>
             <a:endParaRPr lang="ko-KR" altLang="en-US" sz="2000" dirty="0"/>
+          </a:p>
+        </p:txBody>
+      </p:sp>
+      <p:sp>
+        <p:nvSpPr>
+          <p:cNvPr id="29" name="TextBox 28">
+            <a:extLst>
+              <a:ext uri="{FF2B5EF4-FFF2-40B4-BE49-F238E27FC236}">
+                <a16:creationId xmlns:a16="http://schemas.microsoft.com/office/drawing/2014/main" id="{27DABD68-D0F9-4F9D-A964-D0E4E2E10481}"/>
+              </a:ext>
+            </a:extLst>
+          </p:cNvPr>
+          <p:cNvSpPr txBox="1"/>
+          <p:nvPr/>
+        </p:nvSpPr>
+        <p:spPr>
+          <a:xfrm>
+            <a:off x="22971679" y="3913848"/>
+            <a:ext cx="906114" cy="307777"/>
+          </a:xfrm>
+          <a:prstGeom prst="rect">
+            <a:avLst/>
+          </a:prstGeom>
+          <a:noFill/>
+        </p:spPr>
+        <p:txBody>
+          <a:bodyPr wrap="square" lIns="0" tIns="0" rIns="0" bIns="0" rtlCol="0">
+            <a:normAutofit/>
+          </a:bodyPr>
+          <a:lstStyle/>
+          <a:p>
+            <a:pPr algn="ctr"/>
+            <a:r>
+              <a:rPr lang="en-US" altLang="ko-KR" sz="2000" dirty="0"/>
+              <a:t>1000</a:t>
+            </a:r>
+            <a:endParaRPr lang="ko-KR" altLang="en-US" sz="2000" dirty="0"/>
+          </a:p>
+        </p:txBody>
+      </p:sp>
+      <p:sp>
+        <p:nvSpPr>
+          <p:cNvPr id="3" name="TextBox 2">
+            <a:extLst>
+              <a:ext uri="{FF2B5EF4-FFF2-40B4-BE49-F238E27FC236}">
+                <a16:creationId xmlns:a16="http://schemas.microsoft.com/office/drawing/2014/main" id="{E945740B-0FA3-4E9F-9FDA-E5AEF5697D40}"/>
+              </a:ext>
+            </a:extLst>
+          </p:cNvPr>
+          <p:cNvSpPr txBox="1"/>
+          <p:nvPr/>
+        </p:nvSpPr>
+        <p:spPr>
+          <a:xfrm>
+            <a:off x="13449405" y="1040272"/>
+            <a:ext cx="1639456" cy="369332"/>
+          </a:xfrm>
+          <a:prstGeom prst="rect">
+            <a:avLst/>
+          </a:prstGeom>
+          <a:noFill/>
+        </p:spPr>
+        <p:txBody>
+          <a:bodyPr wrap="square" rtlCol="0">
+            <a:spAutoFit/>
+          </a:bodyPr>
+          <a:lstStyle/>
+          <a:p>
+            <a:pPr algn="ctr"/>
+            <a:r>
+              <a:rPr lang="en-US" altLang="ko-KR" dirty="0">
+                <a:solidFill>
+                  <a:schemeClr val="tx1">
+                    <a:lumMod val="65000"/>
+                    <a:lumOff val="35000"/>
+                  </a:schemeClr>
+                </a:solidFill>
+              </a:rPr>
+              <a:t>Drop</a:t>
+            </a:r>
+            <a:r>
+              <a:rPr lang="ko-KR" altLang="en-US" dirty="0">
+                <a:solidFill>
+                  <a:schemeClr val="tx1">
+                    <a:lumMod val="65000"/>
+                    <a:lumOff val="35000"/>
+                  </a:schemeClr>
+                </a:solidFill>
+              </a:rPr>
+              <a:t> </a:t>
+            </a:r>
+            <a:r>
+              <a:rPr lang="en-US" altLang="ko-KR" dirty="0">
+                <a:solidFill>
+                  <a:schemeClr val="tx1">
+                    <a:lumMod val="65000"/>
+                    <a:lumOff val="35000"/>
+                  </a:schemeClr>
+                </a:solidFill>
+              </a:rPr>
+              <a:t>out</a:t>
+            </a:r>
+            <a:r>
+              <a:rPr lang="ko-KR" altLang="en-US" dirty="0">
+                <a:solidFill>
+                  <a:schemeClr val="tx1">
+                    <a:lumMod val="65000"/>
+                    <a:lumOff val="35000"/>
+                  </a:schemeClr>
+                </a:solidFill>
+              </a:rPr>
+              <a:t> </a:t>
+            </a:r>
+            <a:r>
+              <a:rPr lang="en-US" altLang="ko-KR" dirty="0">
+                <a:solidFill>
+                  <a:schemeClr val="tx1">
+                    <a:lumMod val="65000"/>
+                    <a:lumOff val="35000"/>
+                  </a:schemeClr>
+                </a:solidFill>
+              </a:rPr>
+              <a:t>0.1</a:t>
+            </a:r>
+            <a:endParaRPr lang="ko-KR" altLang="en-US" dirty="0">
+              <a:solidFill>
+                <a:schemeClr val="tx1">
+                  <a:lumMod val="65000"/>
+                  <a:lumOff val="35000"/>
+                </a:schemeClr>
+              </a:solidFill>
+            </a:endParaRPr>
+          </a:p>
+        </p:txBody>
+      </p:sp>
+      <p:cxnSp>
+        <p:nvCxnSpPr>
+          <p:cNvPr id="6" name="직선 화살표 연결선 5">
+            <a:extLst>
+              <a:ext uri="{FF2B5EF4-FFF2-40B4-BE49-F238E27FC236}">
+                <a16:creationId xmlns:a16="http://schemas.microsoft.com/office/drawing/2014/main" id="{A061C4DD-E909-40BA-83A0-EF047A4C7F78}"/>
+              </a:ext>
+            </a:extLst>
+          </p:cNvPr>
+          <p:cNvCxnSpPr>
+            <a:cxnSpLocks/>
+            <a:endCxn id="35" idx="3"/>
+          </p:cNvCxnSpPr>
+          <p:nvPr/>
+        </p:nvCxnSpPr>
+        <p:spPr>
+          <a:xfrm flipH="1">
+            <a:off x="12826851" y="1894454"/>
+            <a:ext cx="308126" cy="1629704"/>
+          </a:xfrm>
+          <a:prstGeom prst="straightConnector1">
+            <a:avLst/>
+          </a:prstGeom>
+          <a:ln>
+            <a:tailEnd type="triangle"/>
+          </a:ln>
+        </p:spPr>
+        <p:style>
+          <a:lnRef idx="1">
+            <a:schemeClr val="dk1"/>
+          </a:lnRef>
+          <a:fillRef idx="0">
+            <a:schemeClr val="dk1"/>
+          </a:fillRef>
+          <a:effectRef idx="0">
+            <a:schemeClr val="dk1"/>
+          </a:effectRef>
+          <a:fontRef idx="minor">
+            <a:schemeClr val="tx1"/>
+          </a:fontRef>
+        </p:style>
+      </p:cxnSp>
+      <p:sp>
+        <p:nvSpPr>
+          <p:cNvPr id="35" name="사각형: 둥근 모서리 34">
+            <a:extLst>
+              <a:ext uri="{FF2B5EF4-FFF2-40B4-BE49-F238E27FC236}">
+                <a16:creationId xmlns:a16="http://schemas.microsoft.com/office/drawing/2014/main" id="{B274A7AF-B71A-45F1-AEEC-F364D45C10A3}"/>
+              </a:ext>
+            </a:extLst>
+          </p:cNvPr>
+          <p:cNvSpPr/>
+          <p:nvPr/>
+        </p:nvSpPr>
+        <p:spPr>
+          <a:xfrm>
+            <a:off x="11187395" y="3039308"/>
+            <a:ext cx="1639456" cy="969700"/>
+          </a:xfrm>
+          <a:prstGeom prst="roundRect">
+            <a:avLst/>
+          </a:prstGeom>
+        </p:spPr>
+        <p:style>
+          <a:lnRef idx="2">
+            <a:schemeClr val="dk1"/>
+          </a:lnRef>
+          <a:fillRef idx="1">
+            <a:schemeClr val="lt1"/>
+          </a:fillRef>
+          <a:effectRef idx="0">
+            <a:schemeClr val="dk1"/>
+          </a:effectRef>
+          <a:fontRef idx="minor">
+            <a:schemeClr val="dk1"/>
+          </a:fontRef>
+        </p:style>
+        <p:txBody>
+          <a:bodyPr wrap="square" lIns="0" tIns="0" rIns="0" bIns="0" rtlCol="0" anchor="ctr">
+            <a:normAutofit/>
+          </a:bodyPr>
+          <a:lstStyle/>
+          <a:p>
+            <a:pPr algn="ctr"/>
+            <a:r>
+              <a:rPr lang="en-US" altLang="ko-KR" b="1" dirty="0"/>
+              <a:t>Rand Augment</a:t>
+            </a:r>
+          </a:p>
+          <a:p>
+            <a:r>
+              <a:rPr lang="en-US" altLang="ko-KR" sz="1600" dirty="0"/>
+              <a:t>Translate 10%</a:t>
+            </a:r>
+          </a:p>
+          <a:p>
+            <a:r>
+              <a:rPr lang="en-US" altLang="ko-KR" sz="1600" dirty="0"/>
+              <a:t>Rotation 20%</a:t>
+            </a:r>
           </a:p>
         </p:txBody>
       </p:sp>
